--- a/Instruction.pptx
+++ b/Instruction.pptx
@@ -5,11 +5,13 @@
     <p:sldMasterId id="2147483648" r:id="rId1"/>
   </p:sldMasterIdLst>
   <p:sldIdLst>
-    <p:sldId id="256" r:id="rId2"/>
-    <p:sldId id="257" r:id="rId3"/>
-    <p:sldId id="259" r:id="rId4"/>
-    <p:sldId id="260" r:id="rId5"/>
-    <p:sldId id="258" r:id="rId6"/>
+    <p:sldId id="261" r:id="rId2"/>
+    <p:sldId id="262" r:id="rId3"/>
+    <p:sldId id="256" r:id="rId4"/>
+    <p:sldId id="257" r:id="rId5"/>
+    <p:sldId id="259" r:id="rId6"/>
+    <p:sldId id="260" r:id="rId7"/>
+    <p:sldId id="258" r:id="rId8"/>
   </p:sldIdLst>
   <p:sldSz cx="12192000" cy="6858000"/>
   <p:notesSz cx="6858000" cy="9144000"/>
@@ -108,6 +110,11 @@
       </a:defRPr>
     </a:lvl9pPr>
   </p:defaultTextStyle>
+  <p:extLst>
+    <p:ext uri="{EFAFB233-063F-42B5-8137-9DF3F51BA10A}">
+      <p15:sldGuideLst xmlns:p15="http://schemas.microsoft.com/office/powerpoint/2012/main"/>
+    </p:ext>
+  </p:extLst>
 </p:presentation>
 </file>
 
@@ -258,7 +265,7 @@
           <a:p>
             <a:fld id="{06DD9515-98BB-4E5A-8998-CB329BFC627F}" type="datetimeFigureOut">
               <a:rPr lang="zh-TW" altLang="en-US" smtClean="0"/>
-              <a:t>2022/12/28</a:t>
+              <a:t>2023/1/3</a:t>
             </a:fld>
             <a:endParaRPr lang="zh-TW" altLang="en-US"/>
           </a:p>
@@ -456,7 +463,7 @@
           <a:p>
             <a:fld id="{06DD9515-98BB-4E5A-8998-CB329BFC627F}" type="datetimeFigureOut">
               <a:rPr lang="zh-TW" altLang="en-US" smtClean="0"/>
-              <a:t>2022/12/28</a:t>
+              <a:t>2023/1/3</a:t>
             </a:fld>
             <a:endParaRPr lang="zh-TW" altLang="en-US"/>
           </a:p>
@@ -664,7 +671,7 @@
           <a:p>
             <a:fld id="{06DD9515-98BB-4E5A-8998-CB329BFC627F}" type="datetimeFigureOut">
               <a:rPr lang="zh-TW" altLang="en-US" smtClean="0"/>
-              <a:t>2022/12/28</a:t>
+              <a:t>2023/1/3</a:t>
             </a:fld>
             <a:endParaRPr lang="zh-TW" altLang="en-US"/>
           </a:p>
@@ -862,7 +869,7 @@
           <a:p>
             <a:fld id="{06DD9515-98BB-4E5A-8998-CB329BFC627F}" type="datetimeFigureOut">
               <a:rPr lang="zh-TW" altLang="en-US" smtClean="0"/>
-              <a:t>2022/12/28</a:t>
+              <a:t>2023/1/3</a:t>
             </a:fld>
             <a:endParaRPr lang="zh-TW" altLang="en-US"/>
           </a:p>
@@ -1137,7 +1144,7 @@
           <a:p>
             <a:fld id="{06DD9515-98BB-4E5A-8998-CB329BFC627F}" type="datetimeFigureOut">
               <a:rPr lang="zh-TW" altLang="en-US" smtClean="0"/>
-              <a:t>2022/12/28</a:t>
+              <a:t>2023/1/3</a:t>
             </a:fld>
             <a:endParaRPr lang="zh-TW" altLang="en-US"/>
           </a:p>
@@ -1402,7 +1409,7 @@
           <a:p>
             <a:fld id="{06DD9515-98BB-4E5A-8998-CB329BFC627F}" type="datetimeFigureOut">
               <a:rPr lang="zh-TW" altLang="en-US" smtClean="0"/>
-              <a:t>2022/12/28</a:t>
+              <a:t>2023/1/3</a:t>
             </a:fld>
             <a:endParaRPr lang="zh-TW" altLang="en-US"/>
           </a:p>
@@ -1814,7 +1821,7 @@
           <a:p>
             <a:fld id="{06DD9515-98BB-4E5A-8998-CB329BFC627F}" type="datetimeFigureOut">
               <a:rPr lang="zh-TW" altLang="en-US" smtClean="0"/>
-              <a:t>2022/12/28</a:t>
+              <a:t>2023/1/3</a:t>
             </a:fld>
             <a:endParaRPr lang="zh-TW" altLang="en-US"/>
           </a:p>
@@ -1955,7 +1962,7 @@
           <a:p>
             <a:fld id="{06DD9515-98BB-4E5A-8998-CB329BFC627F}" type="datetimeFigureOut">
               <a:rPr lang="zh-TW" altLang="en-US" smtClean="0"/>
-              <a:t>2022/12/28</a:t>
+              <a:t>2023/1/3</a:t>
             </a:fld>
             <a:endParaRPr lang="zh-TW" altLang="en-US"/>
           </a:p>
@@ -2068,7 +2075,7 @@
           <a:p>
             <a:fld id="{06DD9515-98BB-4E5A-8998-CB329BFC627F}" type="datetimeFigureOut">
               <a:rPr lang="zh-TW" altLang="en-US" smtClean="0"/>
-              <a:t>2022/12/28</a:t>
+              <a:t>2023/1/3</a:t>
             </a:fld>
             <a:endParaRPr lang="zh-TW" altLang="en-US"/>
           </a:p>
@@ -2379,7 +2386,7 @@
           <a:p>
             <a:fld id="{06DD9515-98BB-4E5A-8998-CB329BFC627F}" type="datetimeFigureOut">
               <a:rPr lang="zh-TW" altLang="en-US" smtClean="0"/>
-              <a:t>2022/12/28</a:t>
+              <a:t>2023/1/3</a:t>
             </a:fld>
             <a:endParaRPr lang="zh-TW" altLang="en-US"/>
           </a:p>
@@ -2667,7 +2674,7 @@
           <a:p>
             <a:fld id="{06DD9515-98BB-4E5A-8998-CB329BFC627F}" type="datetimeFigureOut">
               <a:rPr lang="zh-TW" altLang="en-US" smtClean="0"/>
-              <a:t>2022/12/28</a:t>
+              <a:t>2023/1/3</a:t>
             </a:fld>
             <a:endParaRPr lang="zh-TW" altLang="en-US"/>
           </a:p>
@@ -2908,7 +2915,7 @@
           <a:p>
             <a:fld id="{06DD9515-98BB-4E5A-8998-CB329BFC627F}" type="datetimeFigureOut">
               <a:rPr lang="zh-TW" altLang="en-US" smtClean="0"/>
-              <a:t>2022/12/28</a:t>
+              <a:t>2023/1/3</a:t>
             </a:fld>
             <a:endParaRPr lang="zh-TW" altLang="en-US"/>
           </a:p>
@@ -3325,12 +3332,62 @@
           <a:chExt cx="0" cy="0"/>
         </a:xfrm>
       </p:grpSpPr>
+      <p:sp>
+        <p:nvSpPr>
+          <p:cNvPr id="3" name="Content Placeholder 2">
+            <a:extLst>
+              <a:ext uri="{FF2B5EF4-FFF2-40B4-BE49-F238E27FC236}">
+                <a16:creationId xmlns:a16="http://schemas.microsoft.com/office/drawing/2014/main" id="{2FB6BF22-A072-BA47-829E-0918AEF29437}"/>
+              </a:ext>
+            </a:extLst>
+          </p:cNvPr>
+          <p:cNvSpPr>
+            <a:spLocks noGrp="1"/>
+          </p:cNvSpPr>
+          <p:nvPr>
+            <p:ph idx="1"/>
+          </p:nvPr>
+        </p:nvSpPr>
+        <p:spPr>
+          <a:xfrm>
+            <a:off x="939610" y="643283"/>
+            <a:ext cx="10515600" cy="1221856"/>
+          </a:xfrm>
+        </p:spPr>
+        <p:txBody>
+          <a:bodyPr/>
+          <a:lstStyle/>
+          <a:p>
+            <a:pPr marL="0" indent="0">
+              <a:buNone/>
+            </a:pPr>
+            <a:r>
+              <a:rPr lang="zh-TW" altLang="en-US" sz="1800" dirty="0">
+                <a:effectLst/>
+                <a:latin typeface="Microsoft JhengHei" panose="020B0604030504040204" pitchFamily="34" charset="-120"/>
+                <a:ea typeface="Microsoft JhengHei" panose="020B0604030504040204" pitchFamily="34" charset="-120"/>
+              </a:rPr>
+              <a:t>您好，歡迎參與本實驗，實驗開始前請詳閱受試者知情同意書，並了解實驗的相關注意事項，若有任何問題都可以隨時提出，若要退出實驗也可以。 </a:t>
+            </a:r>
+            <a:endParaRPr lang="zh-TW" altLang="en-US" dirty="0">
+              <a:latin typeface="Microsoft JhengHei" panose="020B0604030504040204" pitchFamily="34" charset="-120"/>
+              <a:ea typeface="Microsoft JhengHei" panose="020B0604030504040204" pitchFamily="34" charset="-120"/>
+            </a:endParaRPr>
+          </a:p>
+          <a:p>
+            <a:endParaRPr lang="en-TW" dirty="0">
+              <a:latin typeface="Microsoft JhengHei" panose="020B0604030504040204" pitchFamily="34" charset="-120"/>
+              <a:ea typeface="Microsoft JhengHei" panose="020B0604030504040204" pitchFamily="34" charset="-120"/>
+            </a:endParaRPr>
+          </a:p>
+        </p:txBody>
+      </p:sp>
       <p:pic>
         <p:nvPicPr>
-          <p:cNvPr id="7" name="圖片 6">
-            <a:extLst>
-              <a:ext uri="{FF2B5EF4-FFF2-40B4-BE49-F238E27FC236}">
-                <a16:creationId xmlns:a16="http://schemas.microsoft.com/office/drawing/2014/main" id="{C8138B25-9435-4009-80EF-D52996832FE3}"/>
+          <p:cNvPr id="4" name="圖片 6">
+            <a:extLst>
+              <a:ext uri="{FF2B5EF4-FFF2-40B4-BE49-F238E27FC236}">
+                <a16:creationId xmlns:a16="http://schemas.microsoft.com/office/drawing/2014/main" id="{0B860DAD-4BDC-304C-066E-49EC22FEDFC9}"/>
               </a:ext>
             </a:extLst>
           </p:cNvPr>
@@ -3353,7 +3410,7 @@
         </p:blipFill>
         <p:spPr>
           <a:xfrm>
-            <a:off x="1716741" y="965667"/>
+            <a:off x="1716741" y="1719429"/>
             <a:ext cx="8758518" cy="4926666"/>
           </a:xfrm>
           <a:prstGeom prst="rect">
@@ -3364,7 +3421,7 @@
     </p:spTree>
     <p:extLst>
       <p:ext uri="{BB962C8B-B14F-4D97-AF65-F5344CB8AC3E}">
-        <p14:creationId xmlns:p14="http://schemas.microsoft.com/office/powerpoint/2010/main" val="2016045592"/>
+        <p14:creationId xmlns:p14="http://schemas.microsoft.com/office/powerpoint/2010/main" val="3328346573"/>
       </p:ext>
     </p:extLst>
   </p:cSld>
@@ -3391,12 +3448,197 @@
           <a:chExt cx="0" cy="0"/>
         </a:xfrm>
       </p:grpSpPr>
+      <p:sp>
+        <p:nvSpPr>
+          <p:cNvPr id="2" name="TextBox 1">
+            <a:extLst>
+              <a:ext uri="{FF2B5EF4-FFF2-40B4-BE49-F238E27FC236}">
+                <a16:creationId xmlns:a16="http://schemas.microsoft.com/office/drawing/2014/main" id="{507ED783-04BC-1D95-C427-B1EAAF1BDD13}"/>
+              </a:ext>
+            </a:extLst>
+          </p:cNvPr>
+          <p:cNvSpPr txBox="1"/>
+          <p:nvPr/>
+        </p:nvSpPr>
+        <p:spPr>
+          <a:xfrm>
+            <a:off x="236150" y="234778"/>
+            <a:ext cx="8240585" cy="2585323"/>
+          </a:xfrm>
+          <a:prstGeom prst="rect">
+            <a:avLst/>
+          </a:prstGeom>
+          <a:noFill/>
+        </p:spPr>
+        <p:txBody>
+          <a:bodyPr wrap="square" rtlCol="0">
+            <a:spAutoFit/>
+          </a:bodyPr>
+          <a:lstStyle/>
+          <a:p>
+            <a:pPr marL="285750" indent="-285750">
+              <a:buFont typeface="Arial" panose="020B0604020202020204" pitchFamily="34" charset="0"/>
+              <a:buChar char="•"/>
+            </a:pPr>
+            <a:r>
+              <a:rPr lang="zh-TW" altLang="en-US" sz="1800" dirty="0">
+                <a:effectLst/>
+                <a:latin typeface="Microsoft JhengHei" panose="020B0604030504040204" pitchFamily="34" charset="-120"/>
+                <a:ea typeface="Microsoft JhengHei" panose="020B0604030504040204" pitchFamily="34" charset="-120"/>
+              </a:rPr>
+              <a:t>以下說明為實驗進行的說明，本實驗分為兩個階段。</a:t>
+            </a:r>
+            <a:endParaRPr lang="en-US" altLang="zh-TW" sz="1800" dirty="0">
+              <a:effectLst/>
+              <a:latin typeface="Microsoft JhengHei" panose="020B0604030504040204" pitchFamily="34" charset="-120"/>
+              <a:ea typeface="Microsoft JhengHei" panose="020B0604030504040204" pitchFamily="34" charset="-120"/>
+            </a:endParaRPr>
+          </a:p>
+          <a:p>
+            <a:pPr marL="285750" indent="-285750">
+              <a:buFont typeface="Arial" panose="020B0604020202020204" pitchFamily="34" charset="0"/>
+              <a:buChar char="•"/>
+            </a:pPr>
+            <a:endParaRPr lang="en-US" altLang="zh-TW" dirty="0">
+              <a:latin typeface="Microsoft JhengHei" panose="020B0604030504040204" pitchFamily="34" charset="-120"/>
+              <a:ea typeface="Microsoft JhengHei" panose="020B0604030504040204" pitchFamily="34" charset="-120"/>
+            </a:endParaRPr>
+          </a:p>
+          <a:p>
+            <a:pPr marL="285750" indent="-285750">
+              <a:buFont typeface="Arial" panose="020B0604020202020204" pitchFamily="34" charset="0"/>
+              <a:buChar char="•"/>
+            </a:pPr>
+            <a:r>
+              <a:rPr lang="zh-TW" altLang="en-US" sz="1800" dirty="0">
+                <a:effectLst/>
+                <a:latin typeface="Microsoft JhengHei" panose="020B0604030504040204" pitchFamily="34" charset="-120"/>
+                <a:ea typeface="Microsoft JhengHei" panose="020B0604030504040204" pitchFamily="34" charset="-120"/>
+              </a:rPr>
+              <a:t>第一階段您需要在電腦上 對 </a:t>
+            </a:r>
+            <a:r>
+              <a:rPr lang="en-US" altLang="zh-TW" sz="1800" dirty="0">
+                <a:effectLst/>
+                <a:latin typeface="Microsoft JhengHei" panose="020B0604030504040204" pitchFamily="34" charset="-120"/>
+                <a:ea typeface="Microsoft JhengHei" panose="020B0604030504040204" pitchFamily="34" charset="-120"/>
+              </a:rPr>
+              <a:t>200 </a:t>
+            </a:r>
+            <a:r>
+              <a:rPr lang="zh-TW" altLang="en-US" sz="1800" dirty="0">
+                <a:effectLst/>
+                <a:latin typeface="Microsoft JhengHei" panose="020B0604030504040204" pitchFamily="34" charset="-120"/>
+                <a:ea typeface="Microsoft JhengHei" panose="020B0604030504040204" pitchFamily="34" charset="-120"/>
+              </a:rPr>
+              <a:t>張人物照片進行臉部吸引力的評分，評分介於 </a:t>
+            </a:r>
+            <a:r>
+              <a:rPr lang="en-US" altLang="zh-TW" sz="1800" dirty="0">
+                <a:effectLst/>
+                <a:latin typeface="Microsoft JhengHei" panose="020B0604030504040204" pitchFamily="34" charset="-120"/>
+                <a:ea typeface="Microsoft JhengHei" panose="020B0604030504040204" pitchFamily="34" charset="-120"/>
+              </a:rPr>
+              <a:t>1 </a:t>
+            </a:r>
+            <a:r>
+              <a:rPr lang="zh-TW" altLang="en-US" sz="1800" dirty="0">
+                <a:effectLst/>
+                <a:latin typeface="Microsoft JhengHei" panose="020B0604030504040204" pitchFamily="34" charset="-120"/>
+                <a:ea typeface="Microsoft JhengHei" panose="020B0604030504040204" pitchFamily="34" charset="-120"/>
+              </a:rPr>
+              <a:t>至 </a:t>
+            </a:r>
+            <a:r>
+              <a:rPr lang="en-US" altLang="zh-TW" sz="1800" dirty="0">
+                <a:effectLst/>
+                <a:latin typeface="Microsoft JhengHei" panose="020B0604030504040204" pitchFamily="34" charset="-120"/>
+                <a:ea typeface="Microsoft JhengHei" panose="020B0604030504040204" pitchFamily="34" charset="-120"/>
+              </a:rPr>
+              <a:t>10 </a:t>
+            </a:r>
+            <a:r>
+              <a:rPr lang="zh-TW" altLang="en-US" sz="1800" dirty="0">
+                <a:effectLst/>
+                <a:latin typeface="Microsoft JhengHei" panose="020B0604030504040204" pitchFamily="34" charset="-120"/>
+                <a:ea typeface="Microsoft JhengHei" panose="020B0604030504040204" pitchFamily="34" charset="-120"/>
+              </a:rPr>
+              <a:t>分，請您利用滑鼠</a:t>
+            </a:r>
+            <a:r>
+              <a:rPr lang="zh-TW" altLang="en-US" dirty="0">
+                <a:latin typeface="Microsoft JhengHei" panose="020B0604030504040204" pitchFamily="34" charset="-120"/>
+                <a:ea typeface="Microsoft JhengHei" panose="020B0604030504040204" pitchFamily="34" charset="-120"/>
+              </a:rPr>
+              <a:t>點擊螢幕上的滑桿來進行評分</a:t>
+            </a:r>
+            <a:endParaRPr lang="en-US" altLang="zh-TW" dirty="0">
+              <a:latin typeface="Microsoft JhengHei" panose="020B0604030504040204" pitchFamily="34" charset="-120"/>
+              <a:ea typeface="Microsoft JhengHei" panose="020B0604030504040204" pitchFamily="34" charset="-120"/>
+            </a:endParaRPr>
+          </a:p>
+          <a:p>
+            <a:pPr marL="285750" indent="-285750">
+              <a:buFont typeface="Arial" panose="020B0604020202020204" pitchFamily="34" charset="0"/>
+              <a:buChar char="•"/>
+            </a:pPr>
+            <a:endParaRPr lang="en-US" dirty="0">
+              <a:latin typeface="Microsoft JhengHei" panose="020B0604030504040204" pitchFamily="34" charset="-120"/>
+              <a:ea typeface="Microsoft JhengHei" panose="020B0604030504040204" pitchFamily="34" charset="-120"/>
+            </a:endParaRPr>
+          </a:p>
+          <a:p>
+            <a:pPr marL="285750" indent="-285750">
+              <a:buFont typeface="Arial" panose="020B0604020202020204" pitchFamily="34" charset="0"/>
+              <a:buChar char="•"/>
+            </a:pPr>
+            <a:r>
+              <a:rPr lang="zh-TW" altLang="en-US" dirty="0">
+                <a:latin typeface="Microsoft JhengHei" panose="020B0604030504040204" pitchFamily="34" charset="-120"/>
+                <a:ea typeface="Microsoft JhengHei" panose="020B0604030504040204" pitchFamily="34" charset="-120"/>
+              </a:rPr>
+              <a:t>請您依照直覺評分，不需要考量太多，不用每題都評的很精準，也請不要評分過於集中於某幾個分數。</a:t>
+            </a:r>
+            <a:endParaRPr lang="en-US" altLang="zh-TW" dirty="0">
+              <a:latin typeface="Microsoft JhengHei" panose="020B0604030504040204" pitchFamily="34" charset="-120"/>
+              <a:ea typeface="Microsoft JhengHei" panose="020B0604030504040204" pitchFamily="34" charset="-120"/>
+            </a:endParaRPr>
+          </a:p>
+          <a:p>
+            <a:pPr marL="285750" indent="-285750">
+              <a:buFont typeface="Arial" panose="020B0604020202020204" pitchFamily="34" charset="0"/>
+              <a:buChar char="•"/>
+            </a:pPr>
+            <a:endParaRPr lang="en-US" dirty="0">
+              <a:latin typeface="Microsoft JhengHei" panose="020B0604030504040204" pitchFamily="34" charset="-120"/>
+              <a:ea typeface="Microsoft JhengHei" panose="020B0604030504040204" pitchFamily="34" charset="-120"/>
+            </a:endParaRPr>
+          </a:p>
+          <a:p>
+            <a:pPr marL="285750" indent="-285750">
+              <a:buFont typeface="Arial" panose="020B0604020202020204" pitchFamily="34" charset="0"/>
+              <a:buChar char="•"/>
+            </a:pPr>
+            <a:r>
+              <a:rPr lang="zh-TW" altLang="en-US" dirty="0">
+                <a:latin typeface="Microsoft JhengHei" panose="020B0604030504040204" pitchFamily="34" charset="-120"/>
+                <a:ea typeface="Microsoft JhengHei" panose="020B0604030504040204" pitchFamily="34" charset="-120"/>
+              </a:rPr>
+              <a:t>評分的畫面如下圖。</a:t>
+            </a:r>
+            <a:endParaRPr lang="en-TW" dirty="0">
+              <a:latin typeface="Microsoft JhengHei" panose="020B0604030504040204" pitchFamily="34" charset="-120"/>
+              <a:ea typeface="Microsoft JhengHei" panose="020B0604030504040204" pitchFamily="34" charset="-120"/>
+            </a:endParaRPr>
+          </a:p>
+        </p:txBody>
+      </p:sp>
       <p:pic>
         <p:nvPicPr>
-          <p:cNvPr id="5" name="內容版面配置區 4">
-            <a:extLst>
-              <a:ext uri="{FF2B5EF4-FFF2-40B4-BE49-F238E27FC236}">
-                <a16:creationId xmlns:a16="http://schemas.microsoft.com/office/drawing/2014/main" id="{E74BD5F4-65E2-4376-BCDB-899C62AF9938}"/>
+          <p:cNvPr id="6" name="內容版面配置區 4">
+            <a:extLst>
+              <a:ext uri="{FF2B5EF4-FFF2-40B4-BE49-F238E27FC236}">
+                <a16:creationId xmlns:a16="http://schemas.microsoft.com/office/drawing/2014/main" id="{B5F07FDD-F258-4F1D-0559-E05312D0D288}"/>
               </a:ext>
             </a:extLst>
           </p:cNvPr>
@@ -3421,15 +3663,15 @@
         </p:blipFill>
         <p:spPr>
           <a:xfrm>
-            <a:off x="1641288" y="923224"/>
-            <a:ext cx="8909424" cy="5011551"/>
+            <a:off x="3587579" y="2409568"/>
+            <a:ext cx="7490941" cy="4213654"/>
           </a:xfrm>
         </p:spPr>
       </p:pic>
     </p:spTree>
     <p:extLst>
       <p:ext uri="{BB962C8B-B14F-4D97-AF65-F5344CB8AC3E}">
-        <p14:creationId xmlns:p14="http://schemas.microsoft.com/office/powerpoint/2010/main" val="1360793878"/>
+        <p14:creationId xmlns:p14="http://schemas.microsoft.com/office/powerpoint/2010/main" val="1553814127"/>
       </p:ext>
     </p:extLst>
   </p:cSld>
@@ -3456,21 +3698,68 @@
           <a:chExt cx="0" cy="0"/>
         </a:xfrm>
       </p:grpSpPr>
+      <p:sp>
+        <p:nvSpPr>
+          <p:cNvPr id="3" name="TextBox 2">
+            <a:extLst>
+              <a:ext uri="{FF2B5EF4-FFF2-40B4-BE49-F238E27FC236}">
+                <a16:creationId xmlns:a16="http://schemas.microsoft.com/office/drawing/2014/main" id="{196DB648-3A71-0DDB-7457-68168B903BA6}"/>
+              </a:ext>
+            </a:extLst>
+          </p:cNvPr>
+          <p:cNvSpPr txBox="1"/>
+          <p:nvPr/>
+        </p:nvSpPr>
+        <p:spPr>
+          <a:xfrm>
+            <a:off x="2296296" y="1124465"/>
+            <a:ext cx="7599405" cy="923330"/>
+          </a:xfrm>
+          <a:prstGeom prst="rect">
+            <a:avLst/>
+          </a:prstGeom>
+          <a:noFill/>
+        </p:spPr>
+        <p:txBody>
+          <a:bodyPr wrap="square" rtlCol="0">
+            <a:spAutoFit/>
+          </a:bodyPr>
+          <a:lstStyle/>
+          <a:p>
+            <a:r>
+              <a:rPr lang="zh-TW" altLang="en-US" sz="1800" dirty="0">
+                <a:effectLst/>
+                <a:latin typeface="Microsoft JhengHei" panose="020B0604030504040204" pitchFamily="34" charset="-120"/>
+                <a:ea typeface="Microsoft JhengHei" panose="020B0604030504040204" pitchFamily="34" charset="-120"/>
+              </a:rPr>
+              <a:t>第二個階段為正式實驗的進行，您需要對兩張照片進行照片的選擇 ，請利用鍵盤上的方向鍵來選擇您認為吸引力較高的照片</a:t>
+            </a:r>
+            <a:endParaRPr lang="zh-TW" altLang="en-US" dirty="0">
+              <a:latin typeface="Microsoft JhengHei" panose="020B0604030504040204" pitchFamily="34" charset="-120"/>
+              <a:ea typeface="Microsoft JhengHei" panose="020B0604030504040204" pitchFamily="34" charset="-120"/>
+            </a:endParaRPr>
+          </a:p>
+          <a:p>
+            <a:endParaRPr lang="en-TW" dirty="0">
+              <a:latin typeface="Microsoft JhengHei" panose="020B0604030504040204" pitchFamily="34" charset="-120"/>
+              <a:ea typeface="Microsoft JhengHei" panose="020B0604030504040204" pitchFamily="34" charset="-120"/>
+            </a:endParaRPr>
+          </a:p>
+        </p:txBody>
+      </p:sp>
       <p:pic>
         <p:nvPicPr>
-          <p:cNvPr id="5" name="內容版面配置區 4">
-            <a:extLst>
-              <a:ext uri="{FF2B5EF4-FFF2-40B4-BE49-F238E27FC236}">
-                <a16:creationId xmlns:a16="http://schemas.microsoft.com/office/drawing/2014/main" id="{5BE3FA1B-3813-4EC1-A17B-D4A00546DC1C}"/>
+          <p:cNvPr id="4" name="內容版面配置區 4">
+            <a:extLst>
+              <a:ext uri="{FF2B5EF4-FFF2-40B4-BE49-F238E27FC236}">
+                <a16:creationId xmlns:a16="http://schemas.microsoft.com/office/drawing/2014/main" id="{D4CBBC90-1244-5FFE-9632-B785B4755BA1}"/>
               </a:ext>
             </a:extLst>
           </p:cNvPr>
           <p:cNvPicPr>
-            <a:picLocks noGrp="1" noChangeAspect="1"/>
+            <a:picLocks noChangeAspect="1"/>
           </p:cNvPicPr>
-          <p:nvPr>
-            <p:ph idx="1"/>
-          </p:nvPr>
+          <p:nvPr/>
         </p:nvPicPr>
         <p:blipFill>
           <a:blip r:embed="rId2">
@@ -3486,15 +3775,18 @@
         </p:blipFill>
         <p:spPr>
           <a:xfrm>
-            <a:off x="1402229" y="1039907"/>
-            <a:ext cx="9387541" cy="5280492"/>
+            <a:off x="2728105" y="2308127"/>
+            <a:ext cx="6735789" cy="3788881"/>
           </a:xfrm>
+          <a:prstGeom prst="rect">
+            <a:avLst/>
+          </a:prstGeom>
         </p:spPr>
       </p:pic>
     </p:spTree>
     <p:extLst>
       <p:ext uri="{BB962C8B-B14F-4D97-AF65-F5344CB8AC3E}">
-        <p14:creationId xmlns:p14="http://schemas.microsoft.com/office/powerpoint/2010/main" val="2982522093"/>
+        <p14:creationId xmlns:p14="http://schemas.microsoft.com/office/powerpoint/2010/main" val="2016045592"/>
       </p:ext>
     </p:extLst>
   </p:cSld>
@@ -3521,6 +3813,291 @@
           <a:chExt cx="0" cy="0"/>
         </a:xfrm>
       </p:grpSpPr>
+      <p:sp>
+        <p:nvSpPr>
+          <p:cNvPr id="4" name="TextBox 3">
+            <a:extLst>
+              <a:ext uri="{FF2B5EF4-FFF2-40B4-BE49-F238E27FC236}">
+                <a16:creationId xmlns:a16="http://schemas.microsoft.com/office/drawing/2014/main" id="{C2E821B9-5788-CEE2-1441-454267569684}"/>
+              </a:ext>
+            </a:extLst>
+          </p:cNvPr>
+          <p:cNvSpPr txBox="1"/>
+          <p:nvPr/>
+        </p:nvSpPr>
+        <p:spPr>
+          <a:xfrm>
+            <a:off x="2296297" y="566678"/>
+            <a:ext cx="7599405" cy="2862322"/>
+          </a:xfrm>
+          <a:prstGeom prst="rect">
+            <a:avLst/>
+          </a:prstGeom>
+          <a:noFill/>
+        </p:spPr>
+        <p:txBody>
+          <a:bodyPr wrap="square" rtlCol="0">
+            <a:spAutoFit/>
+          </a:bodyPr>
+          <a:lstStyle/>
+          <a:p>
+            <a:r>
+              <a:rPr lang="en-TW" dirty="0">
+                <a:latin typeface="Microsoft JhengHei" panose="020B0604030504040204" pitchFamily="34" charset="-120"/>
+                <a:ea typeface="Microsoft JhengHei" panose="020B0604030504040204" pitchFamily="34" charset="-120"/>
+              </a:rPr>
+              <a:t>這個階段有兩種實驗狀況</a:t>
+            </a:r>
+          </a:p>
+          <a:p>
+            <a:endParaRPr lang="en-TW" dirty="0">
+              <a:latin typeface="Microsoft JhengHei" panose="020B0604030504040204" pitchFamily="34" charset="-120"/>
+              <a:ea typeface="Microsoft JhengHei" panose="020B0604030504040204" pitchFamily="34" charset="-120"/>
+            </a:endParaRPr>
+          </a:p>
+          <a:p>
+            <a:r>
+              <a:rPr lang="en-TW" dirty="0">
+                <a:latin typeface="Microsoft JhengHei" panose="020B0604030504040204" pitchFamily="34" charset="-120"/>
+                <a:ea typeface="Microsoft JhengHei" panose="020B0604030504040204" pitchFamily="34" charset="-120"/>
+              </a:rPr>
+              <a:t>其中一種是需要您在兩秒內按下鍵盤方向鍵進行回答，否則會直接跳到下一回合。</a:t>
+            </a:r>
+          </a:p>
+          <a:p>
+            <a:endParaRPr lang="en-TW" dirty="0">
+              <a:latin typeface="Microsoft JhengHei" panose="020B0604030504040204" pitchFamily="34" charset="-120"/>
+              <a:ea typeface="Microsoft JhengHei" panose="020B0604030504040204" pitchFamily="34" charset="-120"/>
+            </a:endParaRPr>
+          </a:p>
+          <a:p>
+            <a:r>
+              <a:rPr lang="en-TW" dirty="0">
+                <a:latin typeface="Microsoft JhengHei" panose="020B0604030504040204" pitchFamily="34" charset="-120"/>
+                <a:ea typeface="Microsoft JhengHei" panose="020B0604030504040204" pitchFamily="34" charset="-120"/>
+              </a:rPr>
+              <a:t>另外一種是不限制時間的實驗狀況，您只需要確定選擇之後在按</a:t>
+            </a:r>
+          </a:p>
+          <a:p>
+            <a:r>
+              <a:rPr lang="en-TW" dirty="0">
+                <a:latin typeface="Microsoft JhengHei" panose="020B0604030504040204" pitchFamily="34" charset="-120"/>
+                <a:ea typeface="Microsoft JhengHei" panose="020B0604030504040204" pitchFamily="34" charset="-120"/>
+              </a:rPr>
+              <a:t>下作答即可</a:t>
+            </a:r>
+          </a:p>
+          <a:p>
+            <a:endParaRPr lang="en-TW" dirty="0">
+              <a:latin typeface="Microsoft JhengHei" panose="020B0604030504040204" pitchFamily="34" charset="-120"/>
+              <a:ea typeface="Microsoft JhengHei" panose="020B0604030504040204" pitchFamily="34" charset="-120"/>
+            </a:endParaRPr>
+          </a:p>
+          <a:p>
+            <a:r>
+              <a:rPr lang="zh-TW" altLang="en-US" sz="1800" dirty="0">
+                <a:effectLst/>
+                <a:latin typeface="Microsoft JhengHei" panose="020B0604030504040204" pitchFamily="34" charset="-120"/>
+                <a:ea typeface="Microsoft JhengHei" panose="020B0604030504040204" pitchFamily="34" charset="-120"/>
+              </a:rPr>
+              <a:t>本實驗每 </a:t>
+            </a:r>
+            <a:r>
+              <a:rPr lang="en-US" altLang="zh-TW" sz="1800" dirty="0">
+                <a:effectLst/>
+                <a:latin typeface="Microsoft JhengHei" panose="020B0604030504040204" pitchFamily="34" charset="-120"/>
+                <a:ea typeface="Microsoft JhengHei" panose="020B0604030504040204" pitchFamily="34" charset="-120"/>
+              </a:rPr>
+              <a:t>50 </a:t>
+            </a:r>
+            <a:r>
+              <a:rPr lang="zh-TW" altLang="en-US" sz="1800" dirty="0">
+                <a:effectLst/>
+                <a:latin typeface="Microsoft JhengHei" panose="020B0604030504040204" pitchFamily="34" charset="-120"/>
+                <a:ea typeface="Microsoft JhengHei" panose="020B0604030504040204" pitchFamily="34" charset="-120"/>
+              </a:rPr>
+              <a:t>回合就會請您休息，之後再繼續進行實驗。 </a:t>
+            </a:r>
+            <a:endParaRPr lang="zh-TW" altLang="en-US" dirty="0">
+              <a:latin typeface="Microsoft JhengHei" panose="020B0604030504040204" pitchFamily="34" charset="-120"/>
+              <a:ea typeface="Microsoft JhengHei" panose="020B0604030504040204" pitchFamily="34" charset="-120"/>
+            </a:endParaRPr>
+          </a:p>
+          <a:p>
+            <a:endParaRPr lang="en-TW" dirty="0">
+              <a:latin typeface="Microsoft JhengHei" panose="020B0604030504040204" pitchFamily="34" charset="-120"/>
+              <a:ea typeface="Microsoft JhengHei" panose="020B0604030504040204" pitchFamily="34" charset="-120"/>
+            </a:endParaRPr>
+          </a:p>
+        </p:txBody>
+      </p:sp>
+      <p:pic>
+        <p:nvPicPr>
+          <p:cNvPr id="6" name="內容版面配置區 4">
+            <a:extLst>
+              <a:ext uri="{FF2B5EF4-FFF2-40B4-BE49-F238E27FC236}">
+                <a16:creationId xmlns:a16="http://schemas.microsoft.com/office/drawing/2014/main" id="{B07FC40F-963E-F0CD-44BE-7F25ED8E2912}"/>
+              </a:ext>
+            </a:extLst>
+          </p:cNvPr>
+          <p:cNvPicPr>
+            <a:picLocks noGrp="1" noChangeAspect="1"/>
+          </p:cNvPicPr>
+          <p:nvPr>
+            <p:ph idx="1"/>
+          </p:nvPr>
+        </p:nvPicPr>
+        <p:blipFill>
+          <a:blip r:embed="rId2">
+            <a:extLst>
+              <a:ext uri="{28A0092B-C50C-407E-A947-70E740481C1C}">
+                <a14:useLocalDpi xmlns:a14="http://schemas.microsoft.com/office/drawing/2010/main" val="0"/>
+              </a:ext>
+            </a:extLst>
+          </a:blip>
+          <a:stretch>
+            <a:fillRect/>
+          </a:stretch>
+        </p:blipFill>
+        <p:spPr>
+          <a:xfrm>
+            <a:off x="957385" y="3651076"/>
+            <a:ext cx="4693771" cy="2640246"/>
+          </a:xfrm>
+        </p:spPr>
+      </p:pic>
+      <p:pic>
+        <p:nvPicPr>
+          <p:cNvPr id="7" name="內容版面配置區 4">
+            <a:extLst>
+              <a:ext uri="{FF2B5EF4-FFF2-40B4-BE49-F238E27FC236}">
+                <a16:creationId xmlns:a16="http://schemas.microsoft.com/office/drawing/2014/main" id="{C3C8803B-E3C0-4890-EEAA-058E81814DA9}"/>
+              </a:ext>
+            </a:extLst>
+          </p:cNvPr>
+          <p:cNvPicPr>
+            <a:picLocks noChangeAspect="1"/>
+          </p:cNvPicPr>
+          <p:nvPr/>
+        </p:nvPicPr>
+        <p:blipFill>
+          <a:blip r:embed="rId3">
+            <a:extLst>
+              <a:ext uri="{28A0092B-C50C-407E-A947-70E740481C1C}">
+                <a14:useLocalDpi xmlns:a14="http://schemas.microsoft.com/office/drawing/2010/main" val="0"/>
+              </a:ext>
+            </a:extLst>
+          </a:blip>
+          <a:stretch>
+            <a:fillRect/>
+          </a:stretch>
+        </p:blipFill>
+        <p:spPr>
+          <a:xfrm>
+            <a:off x="6694394" y="3651076"/>
+            <a:ext cx="4693771" cy="2640246"/>
+          </a:xfrm>
+          <a:prstGeom prst="rect">
+            <a:avLst/>
+          </a:prstGeom>
+        </p:spPr>
+      </p:pic>
+    </p:spTree>
+    <p:extLst>
+      <p:ext uri="{BB962C8B-B14F-4D97-AF65-F5344CB8AC3E}">
+        <p14:creationId xmlns:p14="http://schemas.microsoft.com/office/powerpoint/2010/main" val="1360793878"/>
+      </p:ext>
+    </p:extLst>
+  </p:cSld>
+  <p:clrMapOvr>
+    <a:masterClrMapping/>
+  </p:clrMapOvr>
+</p:sld>
+</file>
+
+<file path=ppt/slides/slide5.xml><?xml version="1.0" encoding="utf-8"?>
+<p:sld xmlns:a="http://schemas.openxmlformats.org/drawingml/2006/main" xmlns:r="http://schemas.openxmlformats.org/officeDocument/2006/relationships" xmlns:p="http://schemas.openxmlformats.org/presentationml/2006/main">
+  <p:cSld>
+    <p:spTree>
+      <p:nvGrpSpPr>
+        <p:cNvPr id="1" name=""/>
+        <p:cNvGrpSpPr/>
+        <p:nvPr/>
+      </p:nvGrpSpPr>
+      <p:grpSpPr>
+        <a:xfrm>
+          <a:off x="0" y="0"/>
+          <a:ext cx="0" cy="0"/>
+          <a:chOff x="0" y="0"/>
+          <a:chExt cx="0" cy="0"/>
+        </a:xfrm>
+      </p:grpSpPr>
+      <p:pic>
+        <p:nvPicPr>
+          <p:cNvPr id="5" name="內容版面配置區 4">
+            <a:extLst>
+              <a:ext uri="{FF2B5EF4-FFF2-40B4-BE49-F238E27FC236}">
+                <a16:creationId xmlns:a16="http://schemas.microsoft.com/office/drawing/2014/main" id="{5BE3FA1B-3813-4EC1-A17B-D4A00546DC1C}"/>
+              </a:ext>
+            </a:extLst>
+          </p:cNvPr>
+          <p:cNvPicPr>
+            <a:picLocks noGrp="1" noChangeAspect="1"/>
+          </p:cNvPicPr>
+          <p:nvPr>
+            <p:ph idx="1"/>
+          </p:nvPr>
+        </p:nvPicPr>
+        <p:blipFill>
+          <a:blip r:embed="rId2">
+            <a:extLst>
+              <a:ext uri="{28A0092B-C50C-407E-A947-70E740481C1C}">
+                <a14:useLocalDpi xmlns:a14="http://schemas.microsoft.com/office/drawing/2010/main" val="0"/>
+              </a:ext>
+            </a:extLst>
+          </a:blip>
+          <a:stretch>
+            <a:fillRect/>
+          </a:stretch>
+        </p:blipFill>
+        <p:spPr>
+          <a:xfrm>
+            <a:off x="1402229" y="1039907"/>
+            <a:ext cx="9387541" cy="5280492"/>
+          </a:xfrm>
+        </p:spPr>
+      </p:pic>
+    </p:spTree>
+    <p:extLst>
+      <p:ext uri="{BB962C8B-B14F-4D97-AF65-F5344CB8AC3E}">
+        <p14:creationId xmlns:p14="http://schemas.microsoft.com/office/powerpoint/2010/main" val="2982522093"/>
+      </p:ext>
+    </p:extLst>
+  </p:cSld>
+  <p:clrMapOvr>
+    <a:masterClrMapping/>
+  </p:clrMapOvr>
+</p:sld>
+</file>
+
+<file path=ppt/slides/slide6.xml><?xml version="1.0" encoding="utf-8"?>
+<p:sld xmlns:a="http://schemas.openxmlformats.org/drawingml/2006/main" xmlns:r="http://schemas.openxmlformats.org/officeDocument/2006/relationships" xmlns:p="http://schemas.openxmlformats.org/presentationml/2006/main">
+  <p:cSld>
+    <p:spTree>
+      <p:nvGrpSpPr>
+        <p:cNvPr id="1" name=""/>
+        <p:cNvGrpSpPr/>
+        <p:nvPr/>
+      </p:nvGrpSpPr>
+      <p:grpSpPr>
+        <a:xfrm>
+          <a:off x="0" y="0"/>
+          <a:ext cx="0" cy="0"/>
+          <a:chOff x="0" y="0"/>
+          <a:chExt cx="0" cy="0"/>
+        </a:xfrm>
+      </p:grpSpPr>
       <p:pic>
         <p:nvPicPr>
           <p:cNvPr id="5" name="內容版面配置區 4">
@@ -3569,7 +4146,7 @@
 </p:sld>
 </file>
 
-<file path=ppt/slides/slide5.xml><?xml version="1.0" encoding="utf-8"?>
+<file path=ppt/slides/slide7.xml><?xml version="1.0" encoding="utf-8"?>
 <p:sld xmlns:a="http://schemas.openxmlformats.org/drawingml/2006/main" xmlns:r="http://schemas.openxmlformats.org/officeDocument/2006/relationships" xmlns:p="http://schemas.openxmlformats.org/presentationml/2006/main">
   <p:cSld>
     <p:spTree>

--- a/Instruction.pptx
+++ b/Instruction.pptx
@@ -140,7 +140,7 @@
           <p:cNvPr id="2" name="標題 1">
             <a:extLst>
               <a:ext uri="{FF2B5EF4-FFF2-40B4-BE49-F238E27FC236}">
-                <a16:creationId xmlns:a16="http://schemas.microsoft.com/office/drawing/2014/main" id="{011BFA9B-E6DB-4E21-987B-C1D462F133A2}"/>
+                <a16:creationId xmlns:a16="http://schemas.microsoft.com/office/drawing/2014/main" xmlns="" id="{011BFA9B-E6DB-4E21-987B-C1D462F133A2}"/>
               </a:ext>
             </a:extLst>
           </p:cNvPr>
@@ -177,7 +177,7 @@
           <p:cNvPr id="3" name="副標題 2">
             <a:extLst>
               <a:ext uri="{FF2B5EF4-FFF2-40B4-BE49-F238E27FC236}">
-                <a16:creationId xmlns:a16="http://schemas.microsoft.com/office/drawing/2014/main" id="{27FFA0BE-6366-4A63-B437-53FE5C938863}"/>
+                <a16:creationId xmlns:a16="http://schemas.microsoft.com/office/drawing/2014/main" xmlns="" id="{27FFA0BE-6366-4A63-B437-53FE5C938863}"/>
               </a:ext>
             </a:extLst>
           </p:cNvPr>
@@ -247,7 +247,7 @@
           <p:cNvPr id="4" name="日期版面配置區 3">
             <a:extLst>
               <a:ext uri="{FF2B5EF4-FFF2-40B4-BE49-F238E27FC236}">
-                <a16:creationId xmlns:a16="http://schemas.microsoft.com/office/drawing/2014/main" id="{5EC9A578-A3ED-48D0-B9FC-544A9F2BD89F}"/>
+                <a16:creationId xmlns:a16="http://schemas.microsoft.com/office/drawing/2014/main" xmlns="" id="{5EC9A578-A3ED-48D0-B9FC-544A9F2BD89F}"/>
               </a:ext>
             </a:extLst>
           </p:cNvPr>
@@ -265,7 +265,7 @@
           <a:p>
             <a:fld id="{06DD9515-98BB-4E5A-8998-CB329BFC627F}" type="datetimeFigureOut">
               <a:rPr lang="zh-TW" altLang="en-US" smtClean="0"/>
-              <a:t>2023/1/3</a:t>
+              <a:t>2023/1/6</a:t>
             </a:fld>
             <a:endParaRPr lang="zh-TW" altLang="en-US"/>
           </a:p>
@@ -276,7 +276,7 @@
           <p:cNvPr id="5" name="頁尾版面配置區 4">
             <a:extLst>
               <a:ext uri="{FF2B5EF4-FFF2-40B4-BE49-F238E27FC236}">
-                <a16:creationId xmlns:a16="http://schemas.microsoft.com/office/drawing/2014/main" id="{F0EFB532-34FE-4371-A14C-49FB9F3F3BEF}"/>
+                <a16:creationId xmlns:a16="http://schemas.microsoft.com/office/drawing/2014/main" xmlns="" id="{F0EFB532-34FE-4371-A14C-49FB9F3F3BEF}"/>
               </a:ext>
             </a:extLst>
           </p:cNvPr>
@@ -301,7 +301,7 @@
           <p:cNvPr id="6" name="投影片編號版面配置區 5">
             <a:extLst>
               <a:ext uri="{FF2B5EF4-FFF2-40B4-BE49-F238E27FC236}">
-                <a16:creationId xmlns:a16="http://schemas.microsoft.com/office/drawing/2014/main" id="{69C615D8-3F85-42EF-BBB1-9D4996E38F84}"/>
+                <a16:creationId xmlns:a16="http://schemas.microsoft.com/office/drawing/2014/main" xmlns="" id="{69C615D8-3F85-42EF-BBB1-9D4996E38F84}"/>
               </a:ext>
             </a:extLst>
           </p:cNvPr>
@@ -360,7 +360,7 @@
           <p:cNvPr id="2" name="標題 1">
             <a:extLst>
               <a:ext uri="{FF2B5EF4-FFF2-40B4-BE49-F238E27FC236}">
-                <a16:creationId xmlns:a16="http://schemas.microsoft.com/office/drawing/2014/main" id="{3710741E-7044-4125-9641-5BF8D8114F74}"/>
+                <a16:creationId xmlns:a16="http://schemas.microsoft.com/office/drawing/2014/main" xmlns="" id="{3710741E-7044-4125-9641-5BF8D8114F74}"/>
               </a:ext>
             </a:extLst>
           </p:cNvPr>
@@ -388,7 +388,7 @@
           <p:cNvPr id="3" name="直排文字版面配置區 2">
             <a:extLst>
               <a:ext uri="{FF2B5EF4-FFF2-40B4-BE49-F238E27FC236}">
-                <a16:creationId xmlns:a16="http://schemas.microsoft.com/office/drawing/2014/main" id="{39D236E4-0339-4207-88DE-E3B78E324F17}"/>
+                <a16:creationId xmlns:a16="http://schemas.microsoft.com/office/drawing/2014/main" xmlns="" id="{39D236E4-0339-4207-88DE-E3B78E324F17}"/>
               </a:ext>
             </a:extLst>
           </p:cNvPr>
@@ -445,7 +445,7 @@
           <p:cNvPr id="4" name="日期版面配置區 3">
             <a:extLst>
               <a:ext uri="{FF2B5EF4-FFF2-40B4-BE49-F238E27FC236}">
-                <a16:creationId xmlns:a16="http://schemas.microsoft.com/office/drawing/2014/main" id="{8B88D028-9D6F-45C2-92FB-B6206DC861F5}"/>
+                <a16:creationId xmlns:a16="http://schemas.microsoft.com/office/drawing/2014/main" xmlns="" id="{8B88D028-9D6F-45C2-92FB-B6206DC861F5}"/>
               </a:ext>
             </a:extLst>
           </p:cNvPr>
@@ -463,7 +463,7 @@
           <a:p>
             <a:fld id="{06DD9515-98BB-4E5A-8998-CB329BFC627F}" type="datetimeFigureOut">
               <a:rPr lang="zh-TW" altLang="en-US" smtClean="0"/>
-              <a:t>2023/1/3</a:t>
+              <a:t>2023/1/6</a:t>
             </a:fld>
             <a:endParaRPr lang="zh-TW" altLang="en-US"/>
           </a:p>
@@ -474,7 +474,7 @@
           <p:cNvPr id="5" name="頁尾版面配置區 4">
             <a:extLst>
               <a:ext uri="{FF2B5EF4-FFF2-40B4-BE49-F238E27FC236}">
-                <a16:creationId xmlns:a16="http://schemas.microsoft.com/office/drawing/2014/main" id="{3FB01B8E-C6BA-4D2C-9388-75C6F4B8CAEF}"/>
+                <a16:creationId xmlns:a16="http://schemas.microsoft.com/office/drawing/2014/main" xmlns="" id="{3FB01B8E-C6BA-4D2C-9388-75C6F4B8CAEF}"/>
               </a:ext>
             </a:extLst>
           </p:cNvPr>
@@ -499,7 +499,7 @@
           <p:cNvPr id="6" name="投影片編號版面配置區 5">
             <a:extLst>
               <a:ext uri="{FF2B5EF4-FFF2-40B4-BE49-F238E27FC236}">
-                <a16:creationId xmlns:a16="http://schemas.microsoft.com/office/drawing/2014/main" id="{62D18721-3FEF-4E1E-B299-E7D622168804}"/>
+                <a16:creationId xmlns:a16="http://schemas.microsoft.com/office/drawing/2014/main" xmlns="" id="{62D18721-3FEF-4E1E-B299-E7D622168804}"/>
               </a:ext>
             </a:extLst>
           </p:cNvPr>
@@ -558,7 +558,7 @@
           <p:cNvPr id="2" name="直排標題 1">
             <a:extLst>
               <a:ext uri="{FF2B5EF4-FFF2-40B4-BE49-F238E27FC236}">
-                <a16:creationId xmlns:a16="http://schemas.microsoft.com/office/drawing/2014/main" id="{AE9B5FD6-F5D6-441B-8C70-FDBD2B1E721A}"/>
+                <a16:creationId xmlns:a16="http://schemas.microsoft.com/office/drawing/2014/main" xmlns="" id="{AE9B5FD6-F5D6-441B-8C70-FDBD2B1E721A}"/>
               </a:ext>
             </a:extLst>
           </p:cNvPr>
@@ -591,7 +591,7 @@
           <p:cNvPr id="3" name="直排文字版面配置區 2">
             <a:extLst>
               <a:ext uri="{FF2B5EF4-FFF2-40B4-BE49-F238E27FC236}">
-                <a16:creationId xmlns:a16="http://schemas.microsoft.com/office/drawing/2014/main" id="{C9B64E0D-0705-4D47-80CC-1B6D525DF969}"/>
+                <a16:creationId xmlns:a16="http://schemas.microsoft.com/office/drawing/2014/main" xmlns="" id="{C9B64E0D-0705-4D47-80CC-1B6D525DF969}"/>
               </a:ext>
             </a:extLst>
           </p:cNvPr>
@@ -653,7 +653,7 @@
           <p:cNvPr id="4" name="日期版面配置區 3">
             <a:extLst>
               <a:ext uri="{FF2B5EF4-FFF2-40B4-BE49-F238E27FC236}">
-                <a16:creationId xmlns:a16="http://schemas.microsoft.com/office/drawing/2014/main" id="{E4837859-1021-4336-918C-0B49B3B6C3E2}"/>
+                <a16:creationId xmlns:a16="http://schemas.microsoft.com/office/drawing/2014/main" xmlns="" id="{E4837859-1021-4336-918C-0B49B3B6C3E2}"/>
               </a:ext>
             </a:extLst>
           </p:cNvPr>
@@ -671,7 +671,7 @@
           <a:p>
             <a:fld id="{06DD9515-98BB-4E5A-8998-CB329BFC627F}" type="datetimeFigureOut">
               <a:rPr lang="zh-TW" altLang="en-US" smtClean="0"/>
-              <a:t>2023/1/3</a:t>
+              <a:t>2023/1/6</a:t>
             </a:fld>
             <a:endParaRPr lang="zh-TW" altLang="en-US"/>
           </a:p>
@@ -682,7 +682,7 @@
           <p:cNvPr id="5" name="頁尾版面配置區 4">
             <a:extLst>
               <a:ext uri="{FF2B5EF4-FFF2-40B4-BE49-F238E27FC236}">
-                <a16:creationId xmlns:a16="http://schemas.microsoft.com/office/drawing/2014/main" id="{03CA4945-5D72-4F95-AC99-395A78F4CBA1}"/>
+                <a16:creationId xmlns:a16="http://schemas.microsoft.com/office/drawing/2014/main" xmlns="" id="{03CA4945-5D72-4F95-AC99-395A78F4CBA1}"/>
               </a:ext>
             </a:extLst>
           </p:cNvPr>
@@ -707,7 +707,7 @@
           <p:cNvPr id="6" name="投影片編號版面配置區 5">
             <a:extLst>
               <a:ext uri="{FF2B5EF4-FFF2-40B4-BE49-F238E27FC236}">
-                <a16:creationId xmlns:a16="http://schemas.microsoft.com/office/drawing/2014/main" id="{A0F6AC21-6121-4C69-8F52-47E11A8B431F}"/>
+                <a16:creationId xmlns:a16="http://schemas.microsoft.com/office/drawing/2014/main" xmlns="" id="{A0F6AC21-6121-4C69-8F52-47E11A8B431F}"/>
               </a:ext>
             </a:extLst>
           </p:cNvPr>
@@ -766,7 +766,7 @@
           <p:cNvPr id="2" name="標題 1">
             <a:extLst>
               <a:ext uri="{FF2B5EF4-FFF2-40B4-BE49-F238E27FC236}">
-                <a16:creationId xmlns:a16="http://schemas.microsoft.com/office/drawing/2014/main" id="{52C73F13-1170-4EA5-94BA-9F72993C79D7}"/>
+                <a16:creationId xmlns:a16="http://schemas.microsoft.com/office/drawing/2014/main" xmlns="" id="{52C73F13-1170-4EA5-94BA-9F72993C79D7}"/>
               </a:ext>
             </a:extLst>
           </p:cNvPr>
@@ -794,7 +794,7 @@
           <p:cNvPr id="3" name="內容版面配置區 2">
             <a:extLst>
               <a:ext uri="{FF2B5EF4-FFF2-40B4-BE49-F238E27FC236}">
-                <a16:creationId xmlns:a16="http://schemas.microsoft.com/office/drawing/2014/main" id="{7E89EBB5-C23F-4A7C-9928-7B7ED0E970A4}"/>
+                <a16:creationId xmlns:a16="http://schemas.microsoft.com/office/drawing/2014/main" xmlns="" id="{7E89EBB5-C23F-4A7C-9928-7B7ED0E970A4}"/>
               </a:ext>
             </a:extLst>
           </p:cNvPr>
@@ -851,7 +851,7 @@
           <p:cNvPr id="4" name="日期版面配置區 3">
             <a:extLst>
               <a:ext uri="{FF2B5EF4-FFF2-40B4-BE49-F238E27FC236}">
-                <a16:creationId xmlns:a16="http://schemas.microsoft.com/office/drawing/2014/main" id="{19290C0E-BE15-45C4-B494-277B3E003FF0}"/>
+                <a16:creationId xmlns:a16="http://schemas.microsoft.com/office/drawing/2014/main" xmlns="" id="{19290C0E-BE15-45C4-B494-277B3E003FF0}"/>
               </a:ext>
             </a:extLst>
           </p:cNvPr>
@@ -869,7 +869,7 @@
           <a:p>
             <a:fld id="{06DD9515-98BB-4E5A-8998-CB329BFC627F}" type="datetimeFigureOut">
               <a:rPr lang="zh-TW" altLang="en-US" smtClean="0"/>
-              <a:t>2023/1/3</a:t>
+              <a:t>2023/1/6</a:t>
             </a:fld>
             <a:endParaRPr lang="zh-TW" altLang="en-US"/>
           </a:p>
@@ -880,7 +880,7 @@
           <p:cNvPr id="5" name="頁尾版面配置區 4">
             <a:extLst>
               <a:ext uri="{FF2B5EF4-FFF2-40B4-BE49-F238E27FC236}">
-                <a16:creationId xmlns:a16="http://schemas.microsoft.com/office/drawing/2014/main" id="{76563C14-57A2-4A16-9DB2-822A50A758C0}"/>
+                <a16:creationId xmlns:a16="http://schemas.microsoft.com/office/drawing/2014/main" xmlns="" id="{76563C14-57A2-4A16-9DB2-822A50A758C0}"/>
               </a:ext>
             </a:extLst>
           </p:cNvPr>
@@ -905,7 +905,7 @@
           <p:cNvPr id="6" name="投影片編號版面配置區 5">
             <a:extLst>
               <a:ext uri="{FF2B5EF4-FFF2-40B4-BE49-F238E27FC236}">
-                <a16:creationId xmlns:a16="http://schemas.microsoft.com/office/drawing/2014/main" id="{D415089D-7FCF-4501-B334-D46027374214}"/>
+                <a16:creationId xmlns:a16="http://schemas.microsoft.com/office/drawing/2014/main" xmlns="" id="{D415089D-7FCF-4501-B334-D46027374214}"/>
               </a:ext>
             </a:extLst>
           </p:cNvPr>
@@ -964,7 +964,7 @@
           <p:cNvPr id="2" name="標題 1">
             <a:extLst>
               <a:ext uri="{FF2B5EF4-FFF2-40B4-BE49-F238E27FC236}">
-                <a16:creationId xmlns:a16="http://schemas.microsoft.com/office/drawing/2014/main" id="{4C7EB9CB-B44D-402A-ABDB-CC2DA240551A}"/>
+                <a16:creationId xmlns:a16="http://schemas.microsoft.com/office/drawing/2014/main" xmlns="" id="{4C7EB9CB-B44D-402A-ABDB-CC2DA240551A}"/>
               </a:ext>
             </a:extLst>
           </p:cNvPr>
@@ -1001,7 +1001,7 @@
           <p:cNvPr id="3" name="文字版面配置區 2">
             <a:extLst>
               <a:ext uri="{FF2B5EF4-FFF2-40B4-BE49-F238E27FC236}">
-                <a16:creationId xmlns:a16="http://schemas.microsoft.com/office/drawing/2014/main" id="{21E5412C-D7ED-4C94-ABE2-09D4ED5BD192}"/>
+                <a16:creationId xmlns:a16="http://schemas.microsoft.com/office/drawing/2014/main" xmlns="" id="{21E5412C-D7ED-4C94-ABE2-09D4ED5BD192}"/>
               </a:ext>
             </a:extLst>
           </p:cNvPr>
@@ -1126,7 +1126,7 @@
           <p:cNvPr id="4" name="日期版面配置區 3">
             <a:extLst>
               <a:ext uri="{FF2B5EF4-FFF2-40B4-BE49-F238E27FC236}">
-                <a16:creationId xmlns:a16="http://schemas.microsoft.com/office/drawing/2014/main" id="{1D05AF88-8EC8-43FA-9C40-277D02F9C442}"/>
+                <a16:creationId xmlns:a16="http://schemas.microsoft.com/office/drawing/2014/main" xmlns="" id="{1D05AF88-8EC8-43FA-9C40-277D02F9C442}"/>
               </a:ext>
             </a:extLst>
           </p:cNvPr>
@@ -1144,7 +1144,7 @@
           <a:p>
             <a:fld id="{06DD9515-98BB-4E5A-8998-CB329BFC627F}" type="datetimeFigureOut">
               <a:rPr lang="zh-TW" altLang="en-US" smtClean="0"/>
-              <a:t>2023/1/3</a:t>
+              <a:t>2023/1/6</a:t>
             </a:fld>
             <a:endParaRPr lang="zh-TW" altLang="en-US"/>
           </a:p>
@@ -1155,7 +1155,7 @@
           <p:cNvPr id="5" name="頁尾版面配置區 4">
             <a:extLst>
               <a:ext uri="{FF2B5EF4-FFF2-40B4-BE49-F238E27FC236}">
-                <a16:creationId xmlns:a16="http://schemas.microsoft.com/office/drawing/2014/main" id="{741FAF83-0DF4-4A89-B5E3-B3F71AE9A387}"/>
+                <a16:creationId xmlns:a16="http://schemas.microsoft.com/office/drawing/2014/main" xmlns="" id="{741FAF83-0DF4-4A89-B5E3-B3F71AE9A387}"/>
               </a:ext>
             </a:extLst>
           </p:cNvPr>
@@ -1180,7 +1180,7 @@
           <p:cNvPr id="6" name="投影片編號版面配置區 5">
             <a:extLst>
               <a:ext uri="{FF2B5EF4-FFF2-40B4-BE49-F238E27FC236}">
-                <a16:creationId xmlns:a16="http://schemas.microsoft.com/office/drawing/2014/main" id="{D5BBC562-0353-4CCF-B27C-593F106DEEA3}"/>
+                <a16:creationId xmlns:a16="http://schemas.microsoft.com/office/drawing/2014/main" xmlns="" id="{D5BBC562-0353-4CCF-B27C-593F106DEEA3}"/>
               </a:ext>
             </a:extLst>
           </p:cNvPr>
@@ -1239,7 +1239,7 @@
           <p:cNvPr id="2" name="標題 1">
             <a:extLst>
               <a:ext uri="{FF2B5EF4-FFF2-40B4-BE49-F238E27FC236}">
-                <a16:creationId xmlns:a16="http://schemas.microsoft.com/office/drawing/2014/main" id="{8DBF3BF9-42AF-42FF-9389-A717B51DBC50}"/>
+                <a16:creationId xmlns:a16="http://schemas.microsoft.com/office/drawing/2014/main" xmlns="" id="{8DBF3BF9-42AF-42FF-9389-A717B51DBC50}"/>
               </a:ext>
             </a:extLst>
           </p:cNvPr>
@@ -1267,7 +1267,7 @@
           <p:cNvPr id="3" name="內容版面配置區 2">
             <a:extLst>
               <a:ext uri="{FF2B5EF4-FFF2-40B4-BE49-F238E27FC236}">
-                <a16:creationId xmlns:a16="http://schemas.microsoft.com/office/drawing/2014/main" id="{9F4DA3AF-85C4-4897-A191-9F2D4068D3E7}"/>
+                <a16:creationId xmlns:a16="http://schemas.microsoft.com/office/drawing/2014/main" xmlns="" id="{9F4DA3AF-85C4-4897-A191-9F2D4068D3E7}"/>
               </a:ext>
             </a:extLst>
           </p:cNvPr>
@@ -1329,7 +1329,7 @@
           <p:cNvPr id="4" name="內容版面配置區 3">
             <a:extLst>
               <a:ext uri="{FF2B5EF4-FFF2-40B4-BE49-F238E27FC236}">
-                <a16:creationId xmlns:a16="http://schemas.microsoft.com/office/drawing/2014/main" id="{CECAA56A-C010-41B6-B4AA-137FC56CEE50}"/>
+                <a16:creationId xmlns:a16="http://schemas.microsoft.com/office/drawing/2014/main" xmlns="" id="{CECAA56A-C010-41B6-B4AA-137FC56CEE50}"/>
               </a:ext>
             </a:extLst>
           </p:cNvPr>
@@ -1391,7 +1391,7 @@
           <p:cNvPr id="5" name="日期版面配置區 4">
             <a:extLst>
               <a:ext uri="{FF2B5EF4-FFF2-40B4-BE49-F238E27FC236}">
-                <a16:creationId xmlns:a16="http://schemas.microsoft.com/office/drawing/2014/main" id="{53CB863F-A61C-4FE0-947A-35A61C631E97}"/>
+                <a16:creationId xmlns:a16="http://schemas.microsoft.com/office/drawing/2014/main" xmlns="" id="{53CB863F-A61C-4FE0-947A-35A61C631E97}"/>
               </a:ext>
             </a:extLst>
           </p:cNvPr>
@@ -1409,7 +1409,7 @@
           <a:p>
             <a:fld id="{06DD9515-98BB-4E5A-8998-CB329BFC627F}" type="datetimeFigureOut">
               <a:rPr lang="zh-TW" altLang="en-US" smtClean="0"/>
-              <a:t>2023/1/3</a:t>
+              <a:t>2023/1/6</a:t>
             </a:fld>
             <a:endParaRPr lang="zh-TW" altLang="en-US"/>
           </a:p>
@@ -1420,7 +1420,7 @@
           <p:cNvPr id="6" name="頁尾版面配置區 5">
             <a:extLst>
               <a:ext uri="{FF2B5EF4-FFF2-40B4-BE49-F238E27FC236}">
-                <a16:creationId xmlns:a16="http://schemas.microsoft.com/office/drawing/2014/main" id="{B14679A9-441A-4735-BDB3-C0EE821FC115}"/>
+                <a16:creationId xmlns:a16="http://schemas.microsoft.com/office/drawing/2014/main" xmlns="" id="{B14679A9-441A-4735-BDB3-C0EE821FC115}"/>
               </a:ext>
             </a:extLst>
           </p:cNvPr>
@@ -1445,7 +1445,7 @@
           <p:cNvPr id="7" name="投影片編號版面配置區 6">
             <a:extLst>
               <a:ext uri="{FF2B5EF4-FFF2-40B4-BE49-F238E27FC236}">
-                <a16:creationId xmlns:a16="http://schemas.microsoft.com/office/drawing/2014/main" id="{7AA30BFD-14AC-4DA8-AC85-0B9C79EA912E}"/>
+                <a16:creationId xmlns:a16="http://schemas.microsoft.com/office/drawing/2014/main" xmlns="" id="{7AA30BFD-14AC-4DA8-AC85-0B9C79EA912E}"/>
               </a:ext>
             </a:extLst>
           </p:cNvPr>
@@ -1504,7 +1504,7 @@
           <p:cNvPr id="2" name="標題 1">
             <a:extLst>
               <a:ext uri="{FF2B5EF4-FFF2-40B4-BE49-F238E27FC236}">
-                <a16:creationId xmlns:a16="http://schemas.microsoft.com/office/drawing/2014/main" id="{ED6D796D-1C44-47F8-ACDD-C254AE42780D}"/>
+                <a16:creationId xmlns:a16="http://schemas.microsoft.com/office/drawing/2014/main" xmlns="" id="{ED6D796D-1C44-47F8-ACDD-C254AE42780D}"/>
               </a:ext>
             </a:extLst>
           </p:cNvPr>
@@ -1537,7 +1537,7 @@
           <p:cNvPr id="3" name="文字版面配置區 2">
             <a:extLst>
               <a:ext uri="{FF2B5EF4-FFF2-40B4-BE49-F238E27FC236}">
-                <a16:creationId xmlns:a16="http://schemas.microsoft.com/office/drawing/2014/main" id="{C2830B67-3C56-4244-98B0-6DCD7E50307B}"/>
+                <a16:creationId xmlns:a16="http://schemas.microsoft.com/office/drawing/2014/main" xmlns="" id="{C2830B67-3C56-4244-98B0-6DCD7E50307B}"/>
               </a:ext>
             </a:extLst>
           </p:cNvPr>
@@ -1608,7 +1608,7 @@
           <p:cNvPr id="4" name="內容版面配置區 3">
             <a:extLst>
               <a:ext uri="{FF2B5EF4-FFF2-40B4-BE49-F238E27FC236}">
-                <a16:creationId xmlns:a16="http://schemas.microsoft.com/office/drawing/2014/main" id="{A3E353E6-0502-4B66-AD9A-5B9B21826366}"/>
+                <a16:creationId xmlns:a16="http://schemas.microsoft.com/office/drawing/2014/main" xmlns="" id="{A3E353E6-0502-4B66-AD9A-5B9B21826366}"/>
               </a:ext>
             </a:extLst>
           </p:cNvPr>
@@ -1670,7 +1670,7 @@
           <p:cNvPr id="5" name="文字版面配置區 4">
             <a:extLst>
               <a:ext uri="{FF2B5EF4-FFF2-40B4-BE49-F238E27FC236}">
-                <a16:creationId xmlns:a16="http://schemas.microsoft.com/office/drawing/2014/main" id="{04DDEDA3-48EC-46F6-9040-86E68240F6B6}"/>
+                <a16:creationId xmlns:a16="http://schemas.microsoft.com/office/drawing/2014/main" xmlns="" id="{04DDEDA3-48EC-46F6-9040-86E68240F6B6}"/>
               </a:ext>
             </a:extLst>
           </p:cNvPr>
@@ -1741,7 +1741,7 @@
           <p:cNvPr id="6" name="內容版面配置區 5">
             <a:extLst>
               <a:ext uri="{FF2B5EF4-FFF2-40B4-BE49-F238E27FC236}">
-                <a16:creationId xmlns:a16="http://schemas.microsoft.com/office/drawing/2014/main" id="{24698551-25F7-4CF0-9A29-71C2BDB914F3}"/>
+                <a16:creationId xmlns:a16="http://schemas.microsoft.com/office/drawing/2014/main" xmlns="" id="{24698551-25F7-4CF0-9A29-71C2BDB914F3}"/>
               </a:ext>
             </a:extLst>
           </p:cNvPr>
@@ -1803,7 +1803,7 @@
           <p:cNvPr id="7" name="日期版面配置區 6">
             <a:extLst>
               <a:ext uri="{FF2B5EF4-FFF2-40B4-BE49-F238E27FC236}">
-                <a16:creationId xmlns:a16="http://schemas.microsoft.com/office/drawing/2014/main" id="{F20F1D89-4595-4246-B1A3-8EB0E7F456EE}"/>
+                <a16:creationId xmlns:a16="http://schemas.microsoft.com/office/drawing/2014/main" xmlns="" id="{F20F1D89-4595-4246-B1A3-8EB0E7F456EE}"/>
               </a:ext>
             </a:extLst>
           </p:cNvPr>
@@ -1821,7 +1821,7 @@
           <a:p>
             <a:fld id="{06DD9515-98BB-4E5A-8998-CB329BFC627F}" type="datetimeFigureOut">
               <a:rPr lang="zh-TW" altLang="en-US" smtClean="0"/>
-              <a:t>2023/1/3</a:t>
+              <a:t>2023/1/6</a:t>
             </a:fld>
             <a:endParaRPr lang="zh-TW" altLang="en-US"/>
           </a:p>
@@ -1832,7 +1832,7 @@
           <p:cNvPr id="8" name="頁尾版面配置區 7">
             <a:extLst>
               <a:ext uri="{FF2B5EF4-FFF2-40B4-BE49-F238E27FC236}">
-                <a16:creationId xmlns:a16="http://schemas.microsoft.com/office/drawing/2014/main" id="{0574E9C8-F3C4-4D96-A303-70514DC9C4B4}"/>
+                <a16:creationId xmlns:a16="http://schemas.microsoft.com/office/drawing/2014/main" xmlns="" id="{0574E9C8-F3C4-4D96-A303-70514DC9C4B4}"/>
               </a:ext>
             </a:extLst>
           </p:cNvPr>
@@ -1857,7 +1857,7 @@
           <p:cNvPr id="9" name="投影片編號版面配置區 8">
             <a:extLst>
               <a:ext uri="{FF2B5EF4-FFF2-40B4-BE49-F238E27FC236}">
-                <a16:creationId xmlns:a16="http://schemas.microsoft.com/office/drawing/2014/main" id="{789DD7FC-4E37-4CF5-8FA9-1A8B511B3BAC}"/>
+                <a16:creationId xmlns:a16="http://schemas.microsoft.com/office/drawing/2014/main" xmlns="" id="{789DD7FC-4E37-4CF5-8FA9-1A8B511B3BAC}"/>
               </a:ext>
             </a:extLst>
           </p:cNvPr>
@@ -1916,7 +1916,7 @@
           <p:cNvPr id="2" name="標題 1">
             <a:extLst>
               <a:ext uri="{FF2B5EF4-FFF2-40B4-BE49-F238E27FC236}">
-                <a16:creationId xmlns:a16="http://schemas.microsoft.com/office/drawing/2014/main" id="{B986B1CB-36A6-466A-9F79-FD6656654440}"/>
+                <a16:creationId xmlns:a16="http://schemas.microsoft.com/office/drawing/2014/main" xmlns="" id="{B986B1CB-36A6-466A-9F79-FD6656654440}"/>
               </a:ext>
             </a:extLst>
           </p:cNvPr>
@@ -1944,7 +1944,7 @@
           <p:cNvPr id="3" name="日期版面配置區 2">
             <a:extLst>
               <a:ext uri="{FF2B5EF4-FFF2-40B4-BE49-F238E27FC236}">
-                <a16:creationId xmlns:a16="http://schemas.microsoft.com/office/drawing/2014/main" id="{32DB17F2-FA22-46A2-A719-CDA93E048846}"/>
+                <a16:creationId xmlns:a16="http://schemas.microsoft.com/office/drawing/2014/main" xmlns="" id="{32DB17F2-FA22-46A2-A719-CDA93E048846}"/>
               </a:ext>
             </a:extLst>
           </p:cNvPr>
@@ -1962,7 +1962,7 @@
           <a:p>
             <a:fld id="{06DD9515-98BB-4E5A-8998-CB329BFC627F}" type="datetimeFigureOut">
               <a:rPr lang="zh-TW" altLang="en-US" smtClean="0"/>
-              <a:t>2023/1/3</a:t>
+              <a:t>2023/1/6</a:t>
             </a:fld>
             <a:endParaRPr lang="zh-TW" altLang="en-US"/>
           </a:p>
@@ -1973,7 +1973,7 @@
           <p:cNvPr id="4" name="頁尾版面配置區 3">
             <a:extLst>
               <a:ext uri="{FF2B5EF4-FFF2-40B4-BE49-F238E27FC236}">
-                <a16:creationId xmlns:a16="http://schemas.microsoft.com/office/drawing/2014/main" id="{A376EBB3-28F0-4F55-B6DC-292C2B03893C}"/>
+                <a16:creationId xmlns:a16="http://schemas.microsoft.com/office/drawing/2014/main" xmlns="" id="{A376EBB3-28F0-4F55-B6DC-292C2B03893C}"/>
               </a:ext>
             </a:extLst>
           </p:cNvPr>
@@ -1998,7 +1998,7 @@
           <p:cNvPr id="5" name="投影片編號版面配置區 4">
             <a:extLst>
               <a:ext uri="{FF2B5EF4-FFF2-40B4-BE49-F238E27FC236}">
-                <a16:creationId xmlns:a16="http://schemas.microsoft.com/office/drawing/2014/main" id="{13B4B943-C550-4663-A643-38862B2F83E6}"/>
+                <a16:creationId xmlns:a16="http://schemas.microsoft.com/office/drawing/2014/main" xmlns="" id="{13B4B943-C550-4663-A643-38862B2F83E6}"/>
               </a:ext>
             </a:extLst>
           </p:cNvPr>
@@ -2057,7 +2057,7 @@
           <p:cNvPr id="2" name="日期版面配置區 1">
             <a:extLst>
               <a:ext uri="{FF2B5EF4-FFF2-40B4-BE49-F238E27FC236}">
-                <a16:creationId xmlns:a16="http://schemas.microsoft.com/office/drawing/2014/main" id="{1A45906D-3728-4FCF-A01B-E6E92DB213FF}"/>
+                <a16:creationId xmlns:a16="http://schemas.microsoft.com/office/drawing/2014/main" xmlns="" id="{1A45906D-3728-4FCF-A01B-E6E92DB213FF}"/>
               </a:ext>
             </a:extLst>
           </p:cNvPr>
@@ -2075,7 +2075,7 @@
           <a:p>
             <a:fld id="{06DD9515-98BB-4E5A-8998-CB329BFC627F}" type="datetimeFigureOut">
               <a:rPr lang="zh-TW" altLang="en-US" smtClean="0"/>
-              <a:t>2023/1/3</a:t>
+              <a:t>2023/1/6</a:t>
             </a:fld>
             <a:endParaRPr lang="zh-TW" altLang="en-US"/>
           </a:p>
@@ -2086,7 +2086,7 @@
           <p:cNvPr id="3" name="頁尾版面配置區 2">
             <a:extLst>
               <a:ext uri="{FF2B5EF4-FFF2-40B4-BE49-F238E27FC236}">
-                <a16:creationId xmlns:a16="http://schemas.microsoft.com/office/drawing/2014/main" id="{2F154E08-3F0E-4B80-B8B8-746864002F10}"/>
+                <a16:creationId xmlns:a16="http://schemas.microsoft.com/office/drawing/2014/main" xmlns="" id="{2F154E08-3F0E-4B80-B8B8-746864002F10}"/>
               </a:ext>
             </a:extLst>
           </p:cNvPr>
@@ -2111,7 +2111,7 @@
           <p:cNvPr id="4" name="投影片編號版面配置區 3">
             <a:extLst>
               <a:ext uri="{FF2B5EF4-FFF2-40B4-BE49-F238E27FC236}">
-                <a16:creationId xmlns:a16="http://schemas.microsoft.com/office/drawing/2014/main" id="{229B8759-314C-4747-ACE9-9C1C1757F2DA}"/>
+                <a16:creationId xmlns:a16="http://schemas.microsoft.com/office/drawing/2014/main" xmlns="" id="{229B8759-314C-4747-ACE9-9C1C1757F2DA}"/>
               </a:ext>
             </a:extLst>
           </p:cNvPr>
@@ -2170,7 +2170,7 @@
           <p:cNvPr id="2" name="標題 1">
             <a:extLst>
               <a:ext uri="{FF2B5EF4-FFF2-40B4-BE49-F238E27FC236}">
-                <a16:creationId xmlns:a16="http://schemas.microsoft.com/office/drawing/2014/main" id="{31805A03-A1E5-4D00-9EA9-9416A214CF19}"/>
+                <a16:creationId xmlns:a16="http://schemas.microsoft.com/office/drawing/2014/main" xmlns="" id="{31805A03-A1E5-4D00-9EA9-9416A214CF19}"/>
               </a:ext>
             </a:extLst>
           </p:cNvPr>
@@ -2207,7 +2207,7 @@
           <p:cNvPr id="3" name="內容版面配置區 2">
             <a:extLst>
               <a:ext uri="{FF2B5EF4-FFF2-40B4-BE49-F238E27FC236}">
-                <a16:creationId xmlns:a16="http://schemas.microsoft.com/office/drawing/2014/main" id="{9D72F377-EE95-420B-9EB0-562E9335B4A6}"/>
+                <a16:creationId xmlns:a16="http://schemas.microsoft.com/office/drawing/2014/main" xmlns="" id="{9D72F377-EE95-420B-9EB0-562E9335B4A6}"/>
               </a:ext>
             </a:extLst>
           </p:cNvPr>
@@ -2297,7 +2297,7 @@
           <p:cNvPr id="4" name="文字版面配置區 3">
             <a:extLst>
               <a:ext uri="{FF2B5EF4-FFF2-40B4-BE49-F238E27FC236}">
-                <a16:creationId xmlns:a16="http://schemas.microsoft.com/office/drawing/2014/main" id="{6DB1B634-7DEF-4229-8638-EF4DF427FD8B}"/>
+                <a16:creationId xmlns:a16="http://schemas.microsoft.com/office/drawing/2014/main" xmlns="" id="{6DB1B634-7DEF-4229-8638-EF4DF427FD8B}"/>
               </a:ext>
             </a:extLst>
           </p:cNvPr>
@@ -2368,7 +2368,7 @@
           <p:cNvPr id="5" name="日期版面配置區 4">
             <a:extLst>
               <a:ext uri="{FF2B5EF4-FFF2-40B4-BE49-F238E27FC236}">
-                <a16:creationId xmlns:a16="http://schemas.microsoft.com/office/drawing/2014/main" id="{A2C147A0-7AD4-443C-BBEA-196688F0A06F}"/>
+                <a16:creationId xmlns:a16="http://schemas.microsoft.com/office/drawing/2014/main" xmlns="" id="{A2C147A0-7AD4-443C-BBEA-196688F0A06F}"/>
               </a:ext>
             </a:extLst>
           </p:cNvPr>
@@ -2386,7 +2386,7 @@
           <a:p>
             <a:fld id="{06DD9515-98BB-4E5A-8998-CB329BFC627F}" type="datetimeFigureOut">
               <a:rPr lang="zh-TW" altLang="en-US" smtClean="0"/>
-              <a:t>2023/1/3</a:t>
+              <a:t>2023/1/6</a:t>
             </a:fld>
             <a:endParaRPr lang="zh-TW" altLang="en-US"/>
           </a:p>
@@ -2397,7 +2397,7 @@
           <p:cNvPr id="6" name="頁尾版面配置區 5">
             <a:extLst>
               <a:ext uri="{FF2B5EF4-FFF2-40B4-BE49-F238E27FC236}">
-                <a16:creationId xmlns:a16="http://schemas.microsoft.com/office/drawing/2014/main" id="{C422B138-92C3-409D-BF35-CC258214B32F}"/>
+                <a16:creationId xmlns:a16="http://schemas.microsoft.com/office/drawing/2014/main" xmlns="" id="{C422B138-92C3-409D-BF35-CC258214B32F}"/>
               </a:ext>
             </a:extLst>
           </p:cNvPr>
@@ -2422,7 +2422,7 @@
           <p:cNvPr id="7" name="投影片編號版面配置區 6">
             <a:extLst>
               <a:ext uri="{FF2B5EF4-FFF2-40B4-BE49-F238E27FC236}">
-                <a16:creationId xmlns:a16="http://schemas.microsoft.com/office/drawing/2014/main" id="{C5254971-65DD-48F0-9296-FCE232283AC7}"/>
+                <a16:creationId xmlns:a16="http://schemas.microsoft.com/office/drawing/2014/main" xmlns="" id="{C5254971-65DD-48F0-9296-FCE232283AC7}"/>
               </a:ext>
             </a:extLst>
           </p:cNvPr>
@@ -2481,7 +2481,7 @@
           <p:cNvPr id="2" name="標題 1">
             <a:extLst>
               <a:ext uri="{FF2B5EF4-FFF2-40B4-BE49-F238E27FC236}">
-                <a16:creationId xmlns:a16="http://schemas.microsoft.com/office/drawing/2014/main" id="{5C9B899D-EBD5-4C9B-807A-94AB89281A37}"/>
+                <a16:creationId xmlns:a16="http://schemas.microsoft.com/office/drawing/2014/main" xmlns="" id="{5C9B899D-EBD5-4C9B-807A-94AB89281A37}"/>
               </a:ext>
             </a:extLst>
           </p:cNvPr>
@@ -2518,7 +2518,7 @@
           <p:cNvPr id="3" name="圖片版面配置區 2">
             <a:extLst>
               <a:ext uri="{FF2B5EF4-FFF2-40B4-BE49-F238E27FC236}">
-                <a16:creationId xmlns:a16="http://schemas.microsoft.com/office/drawing/2014/main" id="{2C5563FF-5535-4B14-A21A-A13AEF44883D}"/>
+                <a16:creationId xmlns:a16="http://schemas.microsoft.com/office/drawing/2014/main" xmlns="" id="{2C5563FF-5535-4B14-A21A-A13AEF44883D}"/>
               </a:ext>
             </a:extLst>
           </p:cNvPr>
@@ -2585,7 +2585,7 @@
           <p:cNvPr id="4" name="文字版面配置區 3">
             <a:extLst>
               <a:ext uri="{FF2B5EF4-FFF2-40B4-BE49-F238E27FC236}">
-                <a16:creationId xmlns:a16="http://schemas.microsoft.com/office/drawing/2014/main" id="{33D4AF68-12C6-4E56-8695-B88471C5FEEB}"/>
+                <a16:creationId xmlns:a16="http://schemas.microsoft.com/office/drawing/2014/main" xmlns="" id="{33D4AF68-12C6-4E56-8695-B88471C5FEEB}"/>
               </a:ext>
             </a:extLst>
           </p:cNvPr>
@@ -2656,7 +2656,7 @@
           <p:cNvPr id="5" name="日期版面配置區 4">
             <a:extLst>
               <a:ext uri="{FF2B5EF4-FFF2-40B4-BE49-F238E27FC236}">
-                <a16:creationId xmlns:a16="http://schemas.microsoft.com/office/drawing/2014/main" id="{8ACD1BC1-A5E1-4C10-8E62-5DE270D9E13D}"/>
+                <a16:creationId xmlns:a16="http://schemas.microsoft.com/office/drawing/2014/main" xmlns="" id="{8ACD1BC1-A5E1-4C10-8E62-5DE270D9E13D}"/>
               </a:ext>
             </a:extLst>
           </p:cNvPr>
@@ -2674,7 +2674,7 @@
           <a:p>
             <a:fld id="{06DD9515-98BB-4E5A-8998-CB329BFC627F}" type="datetimeFigureOut">
               <a:rPr lang="zh-TW" altLang="en-US" smtClean="0"/>
-              <a:t>2023/1/3</a:t>
+              <a:t>2023/1/6</a:t>
             </a:fld>
             <a:endParaRPr lang="zh-TW" altLang="en-US"/>
           </a:p>
@@ -2685,7 +2685,7 @@
           <p:cNvPr id="6" name="頁尾版面配置區 5">
             <a:extLst>
               <a:ext uri="{FF2B5EF4-FFF2-40B4-BE49-F238E27FC236}">
-                <a16:creationId xmlns:a16="http://schemas.microsoft.com/office/drawing/2014/main" id="{B1364EDA-3EA4-4DFD-9A36-B46A1DCEFEAC}"/>
+                <a16:creationId xmlns:a16="http://schemas.microsoft.com/office/drawing/2014/main" xmlns="" id="{B1364EDA-3EA4-4DFD-9A36-B46A1DCEFEAC}"/>
               </a:ext>
             </a:extLst>
           </p:cNvPr>
@@ -2710,7 +2710,7 @@
           <p:cNvPr id="7" name="投影片編號版面配置區 6">
             <a:extLst>
               <a:ext uri="{FF2B5EF4-FFF2-40B4-BE49-F238E27FC236}">
-                <a16:creationId xmlns:a16="http://schemas.microsoft.com/office/drawing/2014/main" id="{13507BB3-CD08-4F99-9F73-3C936B13A393}"/>
+                <a16:creationId xmlns:a16="http://schemas.microsoft.com/office/drawing/2014/main" xmlns="" id="{13507BB3-CD08-4F99-9F73-3C936B13A393}"/>
               </a:ext>
             </a:extLst>
           </p:cNvPr>
@@ -2774,7 +2774,7 @@
           <p:cNvPr id="2" name="標題版面配置區 1">
             <a:extLst>
               <a:ext uri="{FF2B5EF4-FFF2-40B4-BE49-F238E27FC236}">
-                <a16:creationId xmlns:a16="http://schemas.microsoft.com/office/drawing/2014/main" id="{B9E01227-8F56-4CC5-AEEB-56B34FC54AEB}"/>
+                <a16:creationId xmlns:a16="http://schemas.microsoft.com/office/drawing/2014/main" xmlns="" id="{B9E01227-8F56-4CC5-AEEB-56B34FC54AEB}"/>
               </a:ext>
             </a:extLst>
           </p:cNvPr>
@@ -2812,7 +2812,7 @@
           <p:cNvPr id="3" name="文字版面配置區 2">
             <a:extLst>
               <a:ext uri="{FF2B5EF4-FFF2-40B4-BE49-F238E27FC236}">
-                <a16:creationId xmlns:a16="http://schemas.microsoft.com/office/drawing/2014/main" id="{80A6C9DE-22BC-4E58-A0B9-F018CC3B8CED}"/>
+                <a16:creationId xmlns:a16="http://schemas.microsoft.com/office/drawing/2014/main" xmlns="" id="{80A6C9DE-22BC-4E58-A0B9-F018CC3B8CED}"/>
               </a:ext>
             </a:extLst>
           </p:cNvPr>
@@ -2879,7 +2879,7 @@
           <p:cNvPr id="4" name="日期版面配置區 3">
             <a:extLst>
               <a:ext uri="{FF2B5EF4-FFF2-40B4-BE49-F238E27FC236}">
-                <a16:creationId xmlns:a16="http://schemas.microsoft.com/office/drawing/2014/main" id="{BDD1E875-471B-4931-A648-ACC43B06684B}"/>
+                <a16:creationId xmlns:a16="http://schemas.microsoft.com/office/drawing/2014/main" xmlns="" id="{BDD1E875-471B-4931-A648-ACC43B06684B}"/>
               </a:ext>
             </a:extLst>
           </p:cNvPr>
@@ -2915,7 +2915,7 @@
           <a:p>
             <a:fld id="{06DD9515-98BB-4E5A-8998-CB329BFC627F}" type="datetimeFigureOut">
               <a:rPr lang="zh-TW" altLang="en-US" smtClean="0"/>
-              <a:t>2023/1/3</a:t>
+              <a:t>2023/1/6</a:t>
             </a:fld>
             <a:endParaRPr lang="zh-TW" altLang="en-US"/>
           </a:p>
@@ -2926,7 +2926,7 @@
           <p:cNvPr id="5" name="頁尾版面配置區 4">
             <a:extLst>
               <a:ext uri="{FF2B5EF4-FFF2-40B4-BE49-F238E27FC236}">
-                <a16:creationId xmlns:a16="http://schemas.microsoft.com/office/drawing/2014/main" id="{8126ED99-0058-451D-8DFB-AFE4F7D6FEB0}"/>
+                <a16:creationId xmlns:a16="http://schemas.microsoft.com/office/drawing/2014/main" xmlns="" id="{8126ED99-0058-451D-8DFB-AFE4F7D6FEB0}"/>
               </a:ext>
             </a:extLst>
           </p:cNvPr>
@@ -2969,7 +2969,7 @@
           <p:cNvPr id="6" name="投影片編號版面配置區 5">
             <a:extLst>
               <a:ext uri="{FF2B5EF4-FFF2-40B4-BE49-F238E27FC236}">
-                <a16:creationId xmlns:a16="http://schemas.microsoft.com/office/drawing/2014/main" id="{EC082738-A076-4D48-9E3C-25D2AE4D0441}"/>
+                <a16:creationId xmlns:a16="http://schemas.microsoft.com/office/drawing/2014/main" xmlns="" id="{EC082738-A076-4D48-9E3C-25D2AE4D0441}"/>
               </a:ext>
             </a:extLst>
           </p:cNvPr>
@@ -3337,7 +3337,7 @@
           <p:cNvPr id="3" name="Content Placeholder 2">
             <a:extLst>
               <a:ext uri="{FF2B5EF4-FFF2-40B4-BE49-F238E27FC236}">
-                <a16:creationId xmlns:a16="http://schemas.microsoft.com/office/drawing/2014/main" id="{2FB6BF22-A072-BA47-829E-0918AEF29437}"/>
+                <a16:creationId xmlns:a16="http://schemas.microsoft.com/office/drawing/2014/main" xmlns="" id="{2FB6BF22-A072-BA47-829E-0918AEF29437}"/>
               </a:ext>
             </a:extLst>
           </p:cNvPr>
@@ -3375,7 +3375,7 @@
             </a:endParaRPr>
           </a:p>
           <a:p>
-            <a:endParaRPr lang="en-TW" dirty="0">
+            <a:endParaRPr lang="x-none" dirty="0">
               <a:latin typeface="Microsoft JhengHei" panose="020B0604030504040204" pitchFamily="34" charset="-120"/>
               <a:ea typeface="Microsoft JhengHei" panose="020B0604030504040204" pitchFamily="34" charset="-120"/>
             </a:endParaRPr>
@@ -3387,7 +3387,7 @@
           <p:cNvPr id="4" name="圖片 6">
             <a:extLst>
               <a:ext uri="{FF2B5EF4-FFF2-40B4-BE49-F238E27FC236}">
-                <a16:creationId xmlns:a16="http://schemas.microsoft.com/office/drawing/2014/main" id="{0B860DAD-4BDC-304C-066E-49EC22FEDFC9}"/>
+                <a16:creationId xmlns:a16="http://schemas.microsoft.com/office/drawing/2014/main" xmlns="" id="{0B860DAD-4BDC-304C-066E-49EC22FEDFC9}"/>
               </a:ext>
             </a:extLst>
           </p:cNvPr>
@@ -3453,7 +3453,7 @@
           <p:cNvPr id="2" name="TextBox 1">
             <a:extLst>
               <a:ext uri="{FF2B5EF4-FFF2-40B4-BE49-F238E27FC236}">
-                <a16:creationId xmlns:a16="http://schemas.microsoft.com/office/drawing/2014/main" id="{507ED783-04BC-1D95-C427-B1EAAF1BDD13}"/>
+                <a16:creationId xmlns:a16="http://schemas.microsoft.com/office/drawing/2014/main" xmlns="" id="{507ED783-04BC-1D95-C427-B1EAAF1BDD13}"/>
               </a:ext>
             </a:extLst>
           </p:cNvPr>
@@ -3626,7 +3626,7 @@
               </a:rPr>
               <a:t>評分的畫面如下圖。</a:t>
             </a:r>
-            <a:endParaRPr lang="en-TW" dirty="0">
+            <a:endParaRPr lang="x-none" dirty="0">
               <a:latin typeface="Microsoft JhengHei" panose="020B0604030504040204" pitchFamily="34" charset="-120"/>
               <a:ea typeface="Microsoft JhengHei" panose="020B0604030504040204" pitchFamily="34" charset="-120"/>
             </a:endParaRPr>
@@ -3638,7 +3638,7 @@
           <p:cNvPr id="6" name="內容版面配置區 4">
             <a:extLst>
               <a:ext uri="{FF2B5EF4-FFF2-40B4-BE49-F238E27FC236}">
-                <a16:creationId xmlns:a16="http://schemas.microsoft.com/office/drawing/2014/main" id="{B5F07FDD-F258-4F1D-0559-E05312D0D288}"/>
+                <a16:creationId xmlns:a16="http://schemas.microsoft.com/office/drawing/2014/main" xmlns="" id="{B5F07FDD-F258-4F1D-0559-E05312D0D288}"/>
               </a:ext>
             </a:extLst>
           </p:cNvPr>
@@ -3650,7 +3650,7 @@
           </p:nvPr>
         </p:nvPicPr>
         <p:blipFill>
-          <a:blip r:embed="rId2">
+          <a:blip r:embed="rId2" cstate="print">
             <a:extLst>
               <a:ext uri="{28A0092B-C50C-407E-A947-70E740481C1C}">
                 <a14:useLocalDpi xmlns:a14="http://schemas.microsoft.com/office/drawing/2010/main" val="0"/>
@@ -3703,7 +3703,7 @@
           <p:cNvPr id="3" name="TextBox 2">
             <a:extLst>
               <a:ext uri="{FF2B5EF4-FFF2-40B4-BE49-F238E27FC236}">
-                <a16:creationId xmlns:a16="http://schemas.microsoft.com/office/drawing/2014/main" id="{196DB648-3A71-0DDB-7457-68168B903BA6}"/>
+                <a16:creationId xmlns:a16="http://schemas.microsoft.com/office/drawing/2014/main" xmlns="" id="{196DB648-3A71-0DDB-7457-68168B903BA6}"/>
               </a:ext>
             </a:extLst>
           </p:cNvPr>
@@ -3740,7 +3740,7 @@
             </a:endParaRPr>
           </a:p>
           <a:p>
-            <a:endParaRPr lang="en-TW" dirty="0">
+            <a:endParaRPr lang="x-none" dirty="0">
               <a:latin typeface="Microsoft JhengHei" panose="020B0604030504040204" pitchFamily="34" charset="-120"/>
               <a:ea typeface="Microsoft JhengHei" panose="020B0604030504040204" pitchFamily="34" charset="-120"/>
             </a:endParaRPr>
@@ -3752,7 +3752,7 @@
           <p:cNvPr id="4" name="內容版面配置區 4">
             <a:extLst>
               <a:ext uri="{FF2B5EF4-FFF2-40B4-BE49-F238E27FC236}">
-                <a16:creationId xmlns:a16="http://schemas.microsoft.com/office/drawing/2014/main" id="{D4CBBC90-1244-5FFE-9632-B785B4755BA1}"/>
+                <a16:creationId xmlns:a16="http://schemas.microsoft.com/office/drawing/2014/main" xmlns="" id="{D4CBBC90-1244-5FFE-9632-B785B4755BA1}"/>
               </a:ext>
             </a:extLst>
           </p:cNvPr>
@@ -3762,7 +3762,7 @@
           <p:nvPr/>
         </p:nvPicPr>
         <p:blipFill>
-          <a:blip r:embed="rId2">
+          <a:blip r:embed="rId2" cstate="print">
             <a:extLst>
               <a:ext uri="{28A0092B-C50C-407E-A947-70E740481C1C}">
                 <a14:useLocalDpi xmlns:a14="http://schemas.microsoft.com/office/drawing/2010/main" val="0"/>
@@ -3818,7 +3818,7 @@
           <p:cNvPr id="4" name="TextBox 3">
             <a:extLst>
               <a:ext uri="{FF2B5EF4-FFF2-40B4-BE49-F238E27FC236}">
-                <a16:creationId xmlns:a16="http://schemas.microsoft.com/office/drawing/2014/main" id="{C2E821B9-5788-CEE2-1441-454267569684}"/>
+                <a16:creationId xmlns:a16="http://schemas.microsoft.com/office/drawing/2014/main" xmlns="" id="{C2E821B9-5788-CEE2-1441-454267569684}"/>
               </a:ext>
             </a:extLst>
           </p:cNvPr>
@@ -3827,8 +3827,8 @@
         </p:nvSpPr>
         <p:spPr>
           <a:xfrm>
-            <a:off x="2296297" y="566678"/>
-            <a:ext cx="7599405" cy="2862322"/>
+            <a:off x="2365966" y="227044"/>
+            <a:ext cx="7599405" cy="3139321"/>
           </a:xfrm>
           <a:prstGeom prst="rect">
             <a:avLst/>
@@ -3842,7 +3842,7 @@
           <a:lstStyle/>
           <a:p>
             <a:r>
-              <a:rPr lang="en-TW" dirty="0">
+              <a:rPr lang="x-none" dirty="0">
                 <a:latin typeface="Microsoft JhengHei" panose="020B0604030504040204" pitchFamily="34" charset="-120"/>
                 <a:ea typeface="Microsoft JhengHei" panose="020B0604030504040204" pitchFamily="34" charset="-120"/>
               </a:rPr>
@@ -3850,14 +3850,14 @@
             </a:r>
           </a:p>
           <a:p>
-            <a:endParaRPr lang="en-TW" dirty="0">
+            <a:endParaRPr lang="x-none" dirty="0">
               <a:latin typeface="Microsoft JhengHei" panose="020B0604030504040204" pitchFamily="34" charset="-120"/>
               <a:ea typeface="Microsoft JhengHei" panose="020B0604030504040204" pitchFamily="34" charset="-120"/>
             </a:endParaRPr>
           </a:p>
           <a:p>
             <a:r>
-              <a:rPr lang="en-TW" dirty="0">
+              <a:rPr lang="x-none" dirty="0">
                 <a:latin typeface="Microsoft JhengHei" panose="020B0604030504040204" pitchFamily="34" charset="-120"/>
                 <a:ea typeface="Microsoft JhengHei" panose="020B0604030504040204" pitchFamily="34" charset="-120"/>
               </a:rPr>
@@ -3865,14 +3865,14 @@
             </a:r>
           </a:p>
           <a:p>
-            <a:endParaRPr lang="en-TW" dirty="0">
+            <a:endParaRPr lang="x-none" dirty="0">
               <a:latin typeface="Microsoft JhengHei" panose="020B0604030504040204" pitchFamily="34" charset="-120"/>
               <a:ea typeface="Microsoft JhengHei" panose="020B0604030504040204" pitchFamily="34" charset="-120"/>
             </a:endParaRPr>
           </a:p>
           <a:p>
             <a:r>
-              <a:rPr lang="en-TW" dirty="0">
+              <a:rPr lang="x-none" dirty="0">
                 <a:latin typeface="Microsoft JhengHei" panose="020B0604030504040204" pitchFamily="34" charset="-120"/>
                 <a:ea typeface="Microsoft JhengHei" panose="020B0604030504040204" pitchFamily="34" charset="-120"/>
               </a:rPr>
@@ -3881,7 +3881,7 @@
           </a:p>
           <a:p>
             <a:r>
-              <a:rPr lang="en-TW" dirty="0">
+              <a:rPr lang="x-none" dirty="0">
                 <a:latin typeface="Microsoft JhengHei" panose="020B0604030504040204" pitchFamily="34" charset="-120"/>
                 <a:ea typeface="Microsoft JhengHei" panose="020B0604030504040204" pitchFamily="34" charset="-120"/>
               </a:rPr>
@@ -3889,7 +3889,7 @@
             </a:r>
           </a:p>
           <a:p>
-            <a:endParaRPr lang="en-TW" dirty="0">
+            <a:endParaRPr lang="x-none" dirty="0">
               <a:latin typeface="Microsoft JhengHei" panose="020B0604030504040204" pitchFamily="34" charset="-120"/>
               <a:ea typeface="Microsoft JhengHei" panose="020B0604030504040204" pitchFamily="34" charset="-120"/>
             </a:endParaRPr>
@@ -3919,13 +3919,20 @@
               </a:rPr>
               <a:t>回合就會請您休息，之後再繼續進行實驗。 </a:t>
             </a:r>
+            <a:endParaRPr lang="en-US" altLang="zh-TW" sz="1800" dirty="0" smtClean="0">
+              <a:effectLst/>
+              <a:latin typeface="Microsoft JhengHei" panose="020B0604030504040204" pitchFamily="34" charset="-120"/>
+              <a:ea typeface="Microsoft JhengHei" panose="020B0604030504040204" pitchFamily="34" charset="-120"/>
+            </a:endParaRPr>
+          </a:p>
+          <a:p>
             <a:endParaRPr lang="zh-TW" altLang="en-US" dirty="0">
               <a:latin typeface="Microsoft JhengHei" panose="020B0604030504040204" pitchFamily="34" charset="-120"/>
               <a:ea typeface="Microsoft JhengHei" panose="020B0604030504040204" pitchFamily="34" charset="-120"/>
             </a:endParaRPr>
           </a:p>
           <a:p>
-            <a:endParaRPr lang="en-TW" dirty="0">
+            <a:endParaRPr lang="x-none" dirty="0">
               <a:latin typeface="Microsoft JhengHei" panose="020B0604030504040204" pitchFamily="34" charset="-120"/>
               <a:ea typeface="Microsoft JhengHei" panose="020B0604030504040204" pitchFamily="34" charset="-120"/>
             </a:endParaRPr>
@@ -3937,7 +3944,7 @@
           <p:cNvPr id="6" name="內容版面配置區 4">
             <a:extLst>
               <a:ext uri="{FF2B5EF4-FFF2-40B4-BE49-F238E27FC236}">
-                <a16:creationId xmlns:a16="http://schemas.microsoft.com/office/drawing/2014/main" id="{B07FC40F-963E-F0CD-44BE-7F25ED8E2912}"/>
+                <a16:creationId xmlns:a16="http://schemas.microsoft.com/office/drawing/2014/main" xmlns="" id="{B07FC40F-963E-F0CD-44BE-7F25ED8E2912}"/>
               </a:ext>
             </a:extLst>
           </p:cNvPr>
@@ -3949,7 +3956,7 @@
           </p:nvPr>
         </p:nvPicPr>
         <p:blipFill>
-          <a:blip r:embed="rId2">
+          <a:blip r:embed="rId2" cstate="print">
             <a:extLst>
               <a:ext uri="{28A0092B-C50C-407E-A947-70E740481C1C}">
                 <a14:useLocalDpi xmlns:a14="http://schemas.microsoft.com/office/drawing/2010/main" val="0"/>
@@ -3962,7 +3969,7 @@
         </p:blipFill>
         <p:spPr>
           <a:xfrm>
-            <a:off x="957385" y="3651076"/>
+            <a:off x="887716" y="3651076"/>
             <a:ext cx="4693771" cy="2640246"/>
           </a:xfrm>
         </p:spPr>
@@ -3972,7 +3979,7 @@
           <p:cNvPr id="7" name="內容版面配置區 4">
             <a:extLst>
               <a:ext uri="{FF2B5EF4-FFF2-40B4-BE49-F238E27FC236}">
-                <a16:creationId xmlns:a16="http://schemas.microsoft.com/office/drawing/2014/main" id="{C3C8803B-E3C0-4890-EEAA-058E81814DA9}"/>
+                <a16:creationId xmlns:a16="http://schemas.microsoft.com/office/drawing/2014/main" xmlns="" id="{C3C8803B-E3C0-4890-EEAA-058E81814DA9}"/>
               </a:ext>
             </a:extLst>
           </p:cNvPr>
@@ -3982,7 +3989,7 @@
           <p:nvPr/>
         </p:nvPicPr>
         <p:blipFill>
-          <a:blip r:embed="rId3">
+          <a:blip r:embed="rId3" cstate="print">
             <a:extLst>
               <a:ext uri="{28A0092B-C50C-407E-A947-70E740481C1C}">
                 <a14:useLocalDpi xmlns:a14="http://schemas.microsoft.com/office/drawing/2010/main" val="0"/>
@@ -4038,7 +4045,7 @@
           <p:cNvPr id="5" name="內容版面配置區 4">
             <a:extLst>
               <a:ext uri="{FF2B5EF4-FFF2-40B4-BE49-F238E27FC236}">
-                <a16:creationId xmlns:a16="http://schemas.microsoft.com/office/drawing/2014/main" id="{5BE3FA1B-3813-4EC1-A17B-D4A00546DC1C}"/>
+                <a16:creationId xmlns:a16="http://schemas.microsoft.com/office/drawing/2014/main" xmlns="" id="{5BE3FA1B-3813-4EC1-A17B-D4A00546DC1C}"/>
               </a:ext>
             </a:extLst>
           </p:cNvPr>
@@ -4103,7 +4110,7 @@
           <p:cNvPr id="5" name="內容版面配置區 4">
             <a:extLst>
               <a:ext uri="{FF2B5EF4-FFF2-40B4-BE49-F238E27FC236}">
-                <a16:creationId xmlns:a16="http://schemas.microsoft.com/office/drawing/2014/main" id="{1785749C-5DD0-4AE6-9800-B99593F18FE3}"/>
+                <a16:creationId xmlns:a16="http://schemas.microsoft.com/office/drawing/2014/main" xmlns="" id="{1785749C-5DD0-4AE6-9800-B99593F18FE3}"/>
               </a:ext>
             </a:extLst>
           </p:cNvPr>
@@ -4168,7 +4175,7 @@
           <p:cNvPr id="5" name="內容版面配置區 4">
             <a:extLst>
               <a:ext uri="{FF2B5EF4-FFF2-40B4-BE49-F238E27FC236}">
-                <a16:creationId xmlns:a16="http://schemas.microsoft.com/office/drawing/2014/main" id="{1BF19B11-506C-46BA-BB3C-2B643C77BFBA}"/>
+                <a16:creationId xmlns:a16="http://schemas.microsoft.com/office/drawing/2014/main" xmlns="" id="{1BF19B11-506C-46BA-BB3C-2B643C77BFBA}"/>
               </a:ext>
             </a:extLst>
           </p:cNvPr>
